--- a/experiments/cancer_20250604_182651/experiment_presentation.pptx
+++ b/experiments/cancer_20250604_182651/experiment_presentation.pptx
@@ -5,16 +5,15 @@
     <p:sldMasterId id="2147483648" r:id="rId1"/>
   </p:sldMasterIdLst>
   <p:sldIdLst>
-    <p:sldId id="256" r:id="rId7"/>
-    <p:sldId id="257" r:id="rId8"/>
-    <p:sldId id="258" r:id="rId9"/>
-    <p:sldId id="259" r:id="rId10"/>
-    <p:sldId id="260" r:id="rId11"/>
-    <p:sldId id="261" r:id="rId12"/>
-    <p:sldId id="262" r:id="rId13"/>
-    <p:sldId id="263" r:id="rId14"/>
+    <p:sldId id="256" r:id="rId2"/>
+    <p:sldId id="260" r:id="rId3"/>
+    <p:sldId id="261" r:id="rId4"/>
+    <p:sldId id="258" r:id="rId5"/>
+    <p:sldId id="262" r:id="rId6"/>
+    <p:sldId id="257" r:id="rId7"/>
+    <p:sldId id="263" r:id="rId8"/>
   </p:sldIdLst>
-  <p:sldSz cx="14630400" cy="8229600" type="screen4x3"/>
+  <p:sldSz cx="14630400" cy="8229600"/>
   <p:notesSz cx="6858000" cy="9144000"/>
   <p:defaultTextStyle>
     <a:defPPr>
@@ -111,6 +110,22 @@
       </a:defRPr>
     </a:lvl9pPr>
   </p:defaultTextStyle>
+  <p:extLst>
+    <p:ext uri="{EFAFB233-063F-42B5-8137-9DF3F51BA10A}">
+      <p15:sldGuideLst xmlns:p15="http://schemas.microsoft.com/office/powerpoint/2012/main">
+        <p15:guide id="1" orient="horz" pos="2160">
+          <p15:clr>
+            <a:srgbClr val="A4A3A4"/>
+          </p15:clr>
+        </p15:guide>
+        <p15:guide id="2" pos="2880">
+          <p15:clr>
+            <a:srgbClr val="A4A3A4"/>
+          </p15:clr>
+        </p15:guide>
+      </p15:sldGuideLst>
+    </p:ext>
+  </p:extLst>
 </p:presentation>
 </file>
 
@@ -152,10 +167,9 @@
           <a:lstStyle/>
           <a:p>
             <a:r>
-              <a:rPr lang="en-US" smtClean="0"/>
+              <a:rPr lang="en-US"/>
               <a:t>Click to edit Master title style</a:t>
             </a:r>
-            <a:endParaRPr lang="en-US"/>
           </a:p>
         </p:txBody>
       </p:sp>
@@ -271,10 +285,9 @@
           </a:lstStyle>
           <a:p>
             <a:r>
-              <a:rPr lang="en-US" smtClean="0"/>
+              <a:rPr lang="en-US"/>
               <a:t>Click to edit Master subtitle style</a:t>
             </a:r>
-            <a:endParaRPr lang="en-US"/>
           </a:p>
         </p:txBody>
       </p:sp>
@@ -295,7 +308,7 @@
           <a:p>
             <a:fld id="{5BCAD085-E8A6-8845-BD4E-CB4CCA059FC4}" type="datetimeFigureOut">
               <a:rPr lang="en-US" smtClean="0"/>
-              <a:t>1/27/13</a:t>
+              <a:t>6/5/2025</a:t>
             </a:fld>
             <a:endParaRPr lang="en-US"/>
           </a:p>
@@ -389,10 +402,9 @@
           <a:lstStyle/>
           <a:p>
             <a:r>
-              <a:rPr lang="en-US" smtClean="0"/>
+              <a:rPr lang="en-US"/>
               <a:t>Click to edit Master title style</a:t>
             </a:r>
-            <a:endParaRPr lang="en-US"/>
           </a:p>
         </p:txBody>
       </p:sp>
@@ -413,38 +425,37 @@
           <a:p>
             <a:pPr lvl="0"/>
             <a:r>
-              <a:rPr lang="en-US" smtClean="0"/>
+              <a:rPr lang="en-US"/>
               <a:t>Click to edit Master text styles</a:t>
             </a:r>
           </a:p>
           <a:p>
             <a:pPr lvl="1"/>
             <a:r>
-              <a:rPr lang="en-US" smtClean="0"/>
+              <a:rPr lang="en-US"/>
               <a:t>Second level</a:t>
             </a:r>
           </a:p>
           <a:p>
             <a:pPr lvl="2"/>
             <a:r>
-              <a:rPr lang="en-US" smtClean="0"/>
+              <a:rPr lang="en-US"/>
               <a:t>Third level</a:t>
             </a:r>
           </a:p>
           <a:p>
             <a:pPr lvl="3"/>
             <a:r>
-              <a:rPr lang="en-US" smtClean="0"/>
+              <a:rPr lang="en-US"/>
               <a:t>Fourth level</a:t>
             </a:r>
           </a:p>
           <a:p>
             <a:pPr lvl="4"/>
             <a:r>
-              <a:rPr lang="en-US" smtClean="0"/>
+              <a:rPr lang="en-US"/>
               <a:t>Fifth level</a:t>
             </a:r>
-            <a:endParaRPr lang="en-US"/>
           </a:p>
         </p:txBody>
       </p:sp>
@@ -465,7 +476,7 @@
           <a:p>
             <a:fld id="{5BCAD085-E8A6-8845-BD4E-CB4CCA059FC4}" type="datetimeFigureOut">
               <a:rPr lang="en-US" smtClean="0"/>
-              <a:t>1/27/13</a:t>
+              <a:t>6/5/2025</a:t>
             </a:fld>
             <a:endParaRPr lang="en-US"/>
           </a:p>
@@ -564,10 +575,9 @@
           <a:lstStyle/>
           <a:p>
             <a:r>
-              <a:rPr lang="en-US" smtClean="0"/>
+              <a:rPr lang="en-US"/>
               <a:t>Click to edit Master title style</a:t>
             </a:r>
-            <a:endParaRPr lang="en-US"/>
           </a:p>
         </p:txBody>
       </p:sp>
@@ -593,38 +603,37 @@
           <a:p>
             <a:pPr lvl="0"/>
             <a:r>
-              <a:rPr lang="en-US" smtClean="0"/>
+              <a:rPr lang="en-US"/>
               <a:t>Click to edit Master text styles</a:t>
             </a:r>
           </a:p>
           <a:p>
             <a:pPr lvl="1"/>
             <a:r>
-              <a:rPr lang="en-US" smtClean="0"/>
+              <a:rPr lang="en-US"/>
               <a:t>Second level</a:t>
             </a:r>
           </a:p>
           <a:p>
             <a:pPr lvl="2"/>
             <a:r>
-              <a:rPr lang="en-US" smtClean="0"/>
+              <a:rPr lang="en-US"/>
               <a:t>Third level</a:t>
             </a:r>
           </a:p>
           <a:p>
             <a:pPr lvl="3"/>
             <a:r>
-              <a:rPr lang="en-US" smtClean="0"/>
+              <a:rPr lang="en-US"/>
               <a:t>Fourth level</a:t>
             </a:r>
           </a:p>
           <a:p>
             <a:pPr lvl="4"/>
             <a:r>
-              <a:rPr lang="en-US" smtClean="0"/>
+              <a:rPr lang="en-US"/>
               <a:t>Fifth level</a:t>
             </a:r>
-            <a:endParaRPr lang="en-US"/>
           </a:p>
         </p:txBody>
       </p:sp>
@@ -645,7 +654,7 @@
           <a:p>
             <a:fld id="{5BCAD085-E8A6-8845-BD4E-CB4CCA059FC4}" type="datetimeFigureOut">
               <a:rPr lang="en-US" smtClean="0"/>
-              <a:t>1/27/13</a:t>
+              <a:t>6/5/2025</a:t>
             </a:fld>
             <a:endParaRPr lang="en-US"/>
           </a:p>
@@ -739,10 +748,9 @@
           <a:lstStyle/>
           <a:p>
             <a:r>
-              <a:rPr lang="en-US" smtClean="0"/>
+              <a:rPr lang="en-US"/>
               <a:t>Click to edit Master title style</a:t>
             </a:r>
-            <a:endParaRPr lang="en-US"/>
           </a:p>
         </p:txBody>
       </p:sp>
@@ -763,38 +771,37 @@
           <a:p>
             <a:pPr lvl="0"/>
             <a:r>
-              <a:rPr lang="en-US" smtClean="0"/>
+              <a:rPr lang="en-US"/>
               <a:t>Click to edit Master text styles</a:t>
             </a:r>
           </a:p>
           <a:p>
             <a:pPr lvl="1"/>
             <a:r>
-              <a:rPr lang="en-US" smtClean="0"/>
+              <a:rPr lang="en-US"/>
               <a:t>Second level</a:t>
             </a:r>
           </a:p>
           <a:p>
             <a:pPr lvl="2"/>
             <a:r>
-              <a:rPr lang="en-US" smtClean="0"/>
+              <a:rPr lang="en-US"/>
               <a:t>Third level</a:t>
             </a:r>
           </a:p>
           <a:p>
             <a:pPr lvl="3"/>
             <a:r>
-              <a:rPr lang="en-US" smtClean="0"/>
+              <a:rPr lang="en-US"/>
               <a:t>Fourth level</a:t>
             </a:r>
           </a:p>
           <a:p>
             <a:pPr lvl="4"/>
             <a:r>
-              <a:rPr lang="en-US" smtClean="0"/>
+              <a:rPr lang="en-US"/>
               <a:t>Fifth level</a:t>
             </a:r>
-            <a:endParaRPr lang="en-US"/>
           </a:p>
         </p:txBody>
       </p:sp>
@@ -815,7 +822,7 @@
           <a:p>
             <a:fld id="{5BCAD085-E8A6-8845-BD4E-CB4CCA059FC4}" type="datetimeFigureOut">
               <a:rPr lang="en-US" smtClean="0"/>
-              <a:t>1/27/13</a:t>
+              <a:t>6/5/2025</a:t>
             </a:fld>
             <a:endParaRPr lang="en-US"/>
           </a:p>
@@ -918,10 +925,9 @@
           </a:lstStyle>
           <a:p>
             <a:r>
-              <a:rPr lang="en-US" smtClean="0"/>
+              <a:rPr lang="en-US"/>
               <a:t>Click to edit Master title style</a:t>
             </a:r>
-            <a:endParaRPr lang="en-US"/>
           </a:p>
         </p:txBody>
       </p:sp>
@@ -1038,7 +1044,7 @@
           <a:p>
             <a:pPr lvl="0"/>
             <a:r>
-              <a:rPr lang="en-US" smtClean="0"/>
+              <a:rPr lang="en-US"/>
               <a:t>Click to edit Master text styles</a:t>
             </a:r>
           </a:p>
@@ -1061,7 +1067,7 @@
           <a:p>
             <a:fld id="{5BCAD085-E8A6-8845-BD4E-CB4CCA059FC4}" type="datetimeFigureOut">
               <a:rPr lang="en-US" smtClean="0"/>
-              <a:t>1/27/13</a:t>
+              <a:t>6/5/2025</a:t>
             </a:fld>
             <a:endParaRPr lang="en-US"/>
           </a:p>
@@ -1155,10 +1161,9 @@
           <a:lstStyle/>
           <a:p>
             <a:r>
-              <a:rPr lang="en-US" smtClean="0"/>
+              <a:rPr lang="en-US"/>
               <a:t>Click to edit Master title style</a:t>
             </a:r>
-            <a:endParaRPr lang="en-US"/>
           </a:p>
         </p:txBody>
       </p:sp>
@@ -1212,38 +1217,37 @@
           <a:p>
             <a:pPr lvl="0"/>
             <a:r>
-              <a:rPr lang="en-US" smtClean="0"/>
+              <a:rPr lang="en-US"/>
               <a:t>Click to edit Master text styles</a:t>
             </a:r>
           </a:p>
           <a:p>
             <a:pPr lvl="1"/>
             <a:r>
-              <a:rPr lang="en-US" smtClean="0"/>
+              <a:rPr lang="en-US"/>
               <a:t>Second level</a:t>
             </a:r>
           </a:p>
           <a:p>
             <a:pPr lvl="2"/>
             <a:r>
-              <a:rPr lang="en-US" smtClean="0"/>
+              <a:rPr lang="en-US"/>
               <a:t>Third level</a:t>
             </a:r>
           </a:p>
           <a:p>
             <a:pPr lvl="3"/>
             <a:r>
-              <a:rPr lang="en-US" smtClean="0"/>
+              <a:rPr lang="en-US"/>
               <a:t>Fourth level</a:t>
             </a:r>
           </a:p>
           <a:p>
             <a:pPr lvl="4"/>
             <a:r>
-              <a:rPr lang="en-US" smtClean="0"/>
+              <a:rPr lang="en-US"/>
               <a:t>Fifth level</a:t>
             </a:r>
-            <a:endParaRPr lang="en-US"/>
           </a:p>
         </p:txBody>
       </p:sp>
@@ -1297,38 +1301,37 @@
           <a:p>
             <a:pPr lvl="0"/>
             <a:r>
-              <a:rPr lang="en-US" smtClean="0"/>
+              <a:rPr lang="en-US"/>
               <a:t>Click to edit Master text styles</a:t>
             </a:r>
           </a:p>
           <a:p>
             <a:pPr lvl="1"/>
             <a:r>
-              <a:rPr lang="en-US" smtClean="0"/>
+              <a:rPr lang="en-US"/>
               <a:t>Second level</a:t>
             </a:r>
           </a:p>
           <a:p>
             <a:pPr lvl="2"/>
             <a:r>
-              <a:rPr lang="en-US" smtClean="0"/>
+              <a:rPr lang="en-US"/>
               <a:t>Third level</a:t>
             </a:r>
           </a:p>
           <a:p>
             <a:pPr lvl="3"/>
             <a:r>
-              <a:rPr lang="en-US" smtClean="0"/>
+              <a:rPr lang="en-US"/>
               <a:t>Fourth level</a:t>
             </a:r>
           </a:p>
           <a:p>
             <a:pPr lvl="4"/>
             <a:r>
-              <a:rPr lang="en-US" smtClean="0"/>
+              <a:rPr lang="en-US"/>
               <a:t>Fifth level</a:t>
             </a:r>
-            <a:endParaRPr lang="en-US"/>
           </a:p>
         </p:txBody>
       </p:sp>
@@ -1349,7 +1352,7 @@
           <a:p>
             <a:fld id="{5BCAD085-E8A6-8845-BD4E-CB4CCA059FC4}" type="datetimeFigureOut">
               <a:rPr lang="en-US" smtClean="0"/>
-              <a:t>1/27/13</a:t>
+              <a:t>6/5/2025</a:t>
             </a:fld>
             <a:endParaRPr lang="en-US"/>
           </a:p>
@@ -1447,10 +1450,9 @@
           </a:lstStyle>
           <a:p>
             <a:r>
-              <a:rPr lang="en-US" smtClean="0"/>
+              <a:rPr lang="en-US"/>
               <a:t>Click to edit Master title style</a:t>
             </a:r>
-            <a:endParaRPr lang="en-US"/>
           </a:p>
         </p:txBody>
       </p:sp>
@@ -1513,7 +1515,7 @@
           <a:p>
             <a:pPr lvl="0"/>
             <a:r>
-              <a:rPr lang="en-US" smtClean="0"/>
+              <a:rPr lang="en-US"/>
               <a:t>Click to edit Master text styles</a:t>
             </a:r>
           </a:p>
@@ -1569,38 +1571,37 @@
           <a:p>
             <a:pPr lvl="0"/>
             <a:r>
-              <a:rPr lang="en-US" smtClean="0"/>
+              <a:rPr lang="en-US"/>
               <a:t>Click to edit Master text styles</a:t>
             </a:r>
           </a:p>
           <a:p>
             <a:pPr lvl="1"/>
             <a:r>
-              <a:rPr lang="en-US" smtClean="0"/>
+              <a:rPr lang="en-US"/>
               <a:t>Second level</a:t>
             </a:r>
           </a:p>
           <a:p>
             <a:pPr lvl="2"/>
             <a:r>
-              <a:rPr lang="en-US" smtClean="0"/>
+              <a:rPr lang="en-US"/>
               <a:t>Third level</a:t>
             </a:r>
           </a:p>
           <a:p>
             <a:pPr lvl="3"/>
             <a:r>
-              <a:rPr lang="en-US" smtClean="0"/>
+              <a:rPr lang="en-US"/>
               <a:t>Fourth level</a:t>
             </a:r>
           </a:p>
           <a:p>
             <a:pPr lvl="4"/>
             <a:r>
-              <a:rPr lang="en-US" smtClean="0"/>
+              <a:rPr lang="en-US"/>
               <a:t>Fifth level</a:t>
             </a:r>
-            <a:endParaRPr lang="en-US"/>
           </a:p>
         </p:txBody>
       </p:sp>
@@ -1663,7 +1664,7 @@
           <a:p>
             <a:pPr lvl="0"/>
             <a:r>
-              <a:rPr lang="en-US" smtClean="0"/>
+              <a:rPr lang="en-US"/>
               <a:t>Click to edit Master text styles</a:t>
             </a:r>
           </a:p>
@@ -1719,38 +1720,37 @@
           <a:p>
             <a:pPr lvl="0"/>
             <a:r>
-              <a:rPr lang="en-US" smtClean="0"/>
+              <a:rPr lang="en-US"/>
               <a:t>Click to edit Master text styles</a:t>
             </a:r>
           </a:p>
           <a:p>
             <a:pPr lvl="1"/>
             <a:r>
-              <a:rPr lang="en-US" smtClean="0"/>
+              <a:rPr lang="en-US"/>
               <a:t>Second level</a:t>
             </a:r>
           </a:p>
           <a:p>
             <a:pPr lvl="2"/>
             <a:r>
-              <a:rPr lang="en-US" smtClean="0"/>
+              <a:rPr lang="en-US"/>
               <a:t>Third level</a:t>
             </a:r>
           </a:p>
           <a:p>
             <a:pPr lvl="3"/>
             <a:r>
-              <a:rPr lang="en-US" smtClean="0"/>
+              <a:rPr lang="en-US"/>
               <a:t>Fourth level</a:t>
             </a:r>
           </a:p>
           <a:p>
             <a:pPr lvl="4"/>
             <a:r>
-              <a:rPr lang="en-US" smtClean="0"/>
+              <a:rPr lang="en-US"/>
               <a:t>Fifth level</a:t>
             </a:r>
-            <a:endParaRPr lang="en-US"/>
           </a:p>
         </p:txBody>
       </p:sp>
@@ -1771,7 +1771,7 @@
           <a:p>
             <a:fld id="{5BCAD085-E8A6-8845-BD4E-CB4CCA059FC4}" type="datetimeFigureOut">
               <a:rPr lang="en-US" smtClean="0"/>
-              <a:t>1/27/13</a:t>
+              <a:t>6/5/2025</a:t>
             </a:fld>
             <a:endParaRPr lang="en-US"/>
           </a:p>
@@ -1865,10 +1865,9 @@
           <a:lstStyle/>
           <a:p>
             <a:r>
-              <a:rPr lang="en-US" smtClean="0"/>
+              <a:rPr lang="en-US"/>
               <a:t>Click to edit Master title style</a:t>
             </a:r>
-            <a:endParaRPr lang="en-US"/>
           </a:p>
         </p:txBody>
       </p:sp>
@@ -1889,7 +1888,7 @@
           <a:p>
             <a:fld id="{5BCAD085-E8A6-8845-BD4E-CB4CCA059FC4}" type="datetimeFigureOut">
               <a:rPr lang="en-US" smtClean="0"/>
-              <a:t>1/27/13</a:t>
+              <a:t>6/5/2025</a:t>
             </a:fld>
             <a:endParaRPr lang="en-US"/>
           </a:p>
@@ -1984,7 +1983,7 @@
           <a:p>
             <a:fld id="{5BCAD085-E8A6-8845-BD4E-CB4CCA059FC4}" type="datetimeFigureOut">
               <a:rPr lang="en-US" smtClean="0"/>
-              <a:t>1/27/13</a:t>
+              <a:t>6/5/2025</a:t>
             </a:fld>
             <a:endParaRPr lang="en-US"/>
           </a:p>
@@ -2087,10 +2086,9 @@
           </a:lstStyle>
           <a:p>
             <a:r>
-              <a:rPr lang="en-US" smtClean="0"/>
+              <a:rPr lang="en-US"/>
               <a:t>Click to edit Master title style</a:t>
             </a:r>
-            <a:endParaRPr lang="en-US"/>
           </a:p>
         </p:txBody>
       </p:sp>
@@ -2144,38 +2142,37 @@
           <a:p>
             <a:pPr lvl="0"/>
             <a:r>
-              <a:rPr lang="en-US" smtClean="0"/>
+              <a:rPr lang="en-US"/>
               <a:t>Click to edit Master text styles</a:t>
             </a:r>
           </a:p>
           <a:p>
             <a:pPr lvl="1"/>
             <a:r>
-              <a:rPr lang="en-US" smtClean="0"/>
+              <a:rPr lang="en-US"/>
               <a:t>Second level</a:t>
             </a:r>
           </a:p>
           <a:p>
             <a:pPr lvl="2"/>
             <a:r>
-              <a:rPr lang="en-US" smtClean="0"/>
+              <a:rPr lang="en-US"/>
               <a:t>Third level</a:t>
             </a:r>
           </a:p>
           <a:p>
             <a:pPr lvl="3"/>
             <a:r>
-              <a:rPr lang="en-US" smtClean="0"/>
+              <a:rPr lang="en-US"/>
               <a:t>Fourth level</a:t>
             </a:r>
           </a:p>
           <a:p>
             <a:pPr lvl="4"/>
             <a:r>
-              <a:rPr lang="en-US" smtClean="0"/>
+              <a:rPr lang="en-US"/>
               <a:t>Fifth level</a:t>
             </a:r>
-            <a:endParaRPr lang="en-US"/>
           </a:p>
         </p:txBody>
       </p:sp>
@@ -2238,7 +2235,7 @@
           <a:p>
             <a:pPr lvl="0"/>
             <a:r>
-              <a:rPr lang="en-US" smtClean="0"/>
+              <a:rPr lang="en-US"/>
               <a:t>Click to edit Master text styles</a:t>
             </a:r>
           </a:p>
@@ -2261,7 +2258,7 @@
           <a:p>
             <a:fld id="{5BCAD085-E8A6-8845-BD4E-CB4CCA059FC4}" type="datetimeFigureOut">
               <a:rPr lang="en-US" smtClean="0"/>
-              <a:t>1/27/13</a:t>
+              <a:t>6/5/2025</a:t>
             </a:fld>
             <a:endParaRPr lang="en-US"/>
           </a:p>
@@ -2364,10 +2361,9 @@
           </a:lstStyle>
           <a:p>
             <a:r>
-              <a:rPr lang="en-US" smtClean="0"/>
+              <a:rPr lang="en-US"/>
               <a:t>Click to edit Master title style</a:t>
             </a:r>
-            <a:endParaRPr lang="en-US"/>
           </a:p>
         </p:txBody>
       </p:sp>
@@ -2491,7 +2487,7 @@
           <a:p>
             <a:pPr lvl="0"/>
             <a:r>
-              <a:rPr lang="en-US" smtClean="0"/>
+              <a:rPr lang="en-US"/>
               <a:t>Click to edit Master text styles</a:t>
             </a:r>
           </a:p>
@@ -2514,7 +2510,7 @@
           <a:p>
             <a:fld id="{5BCAD085-E8A6-8845-BD4E-CB4CCA059FC4}" type="datetimeFigureOut">
               <a:rPr lang="en-US" smtClean="0"/>
-              <a:t>1/27/13</a:t>
+              <a:t>6/5/2025</a:t>
             </a:fld>
             <a:endParaRPr lang="en-US"/>
           </a:p>
@@ -2623,10 +2619,9 @@
           <a:lstStyle/>
           <a:p>
             <a:r>
-              <a:rPr lang="en-US" smtClean="0"/>
+              <a:rPr lang="en-US"/>
               <a:t>Click to edit Master title style</a:t>
             </a:r>
-            <a:endParaRPr lang="en-US"/>
           </a:p>
         </p:txBody>
       </p:sp>
@@ -2657,38 +2652,37 @@
           <a:p>
             <a:pPr lvl="0"/>
             <a:r>
-              <a:rPr lang="en-US" smtClean="0"/>
+              <a:rPr lang="en-US"/>
               <a:t>Click to edit Master text styles</a:t>
             </a:r>
           </a:p>
           <a:p>
             <a:pPr lvl="1"/>
             <a:r>
-              <a:rPr lang="en-US" smtClean="0"/>
+              <a:rPr lang="en-US"/>
               <a:t>Second level</a:t>
             </a:r>
           </a:p>
           <a:p>
             <a:pPr lvl="2"/>
             <a:r>
-              <a:rPr lang="en-US" smtClean="0"/>
+              <a:rPr lang="en-US"/>
               <a:t>Third level</a:t>
             </a:r>
           </a:p>
           <a:p>
             <a:pPr lvl="3"/>
             <a:r>
-              <a:rPr lang="en-US" smtClean="0"/>
+              <a:rPr lang="en-US"/>
               <a:t>Fourth level</a:t>
             </a:r>
           </a:p>
           <a:p>
             <a:pPr lvl="4"/>
             <a:r>
-              <a:rPr lang="en-US" smtClean="0"/>
+              <a:rPr lang="en-US"/>
               <a:t>Fifth level</a:t>
             </a:r>
-            <a:endParaRPr lang="en-US"/>
           </a:p>
         </p:txBody>
       </p:sp>
@@ -2727,7 +2721,7 @@
           <a:p>
             <a:fld id="{5BCAD085-E8A6-8845-BD4E-CB4CCA059FC4}" type="datetimeFigureOut">
               <a:rPr lang="en-US" smtClean="0"/>
-              <a:t>1/27/13</a:t>
+              <a:t>6/5/2025</a:t>
             </a:fld>
             <a:endParaRPr lang="en-US"/>
           </a:p>
@@ -3086,7 +3080,7 @@
 </file>
 
 <file path=ppt/slides/slide1.xml><?xml version="1.0" encoding="utf-8"?>
-<p:sld xmlns:a="http://schemas.openxmlformats.org/drawingml/2006/main" xmlns:p="http://schemas.openxmlformats.org/presentationml/2006/main" xmlns:r="http://schemas.openxmlformats.org/officeDocument/2006/relationships">
+<p:sld xmlns:a="http://schemas.openxmlformats.org/drawingml/2006/main" xmlns:r="http://schemas.openxmlformats.org/officeDocument/2006/relationships" xmlns:p="http://schemas.openxmlformats.org/presentationml/2006/main">
   <p:cSld>
     <p:spTree>
       <p:nvGrpSpPr>
@@ -3094,7 +3088,14 @@
         <p:cNvGrpSpPr/>
         <p:nvPr/>
       </p:nvGrpSpPr>
-      <p:grpSpPr/>
+      <p:grpSpPr>
+        <a:xfrm>
+          <a:off x="0" y="0"/>
+          <a:ext cx="0" cy="0"/>
+          <a:chOff x="0" y="0"/>
+          <a:chExt cx="0" cy="0"/>
+        </a:xfrm>
+      </p:grpSpPr>
       <p:sp>
         <p:nvSpPr>
           <p:cNvPr id="2" name="Title 1"/>
@@ -3151,7 +3152,7 @@
 </file>
 
 <file path=ppt/slides/slide2.xml><?xml version="1.0" encoding="utf-8"?>
-<p:sld xmlns:a="http://schemas.openxmlformats.org/drawingml/2006/main" xmlns:p="http://schemas.openxmlformats.org/presentationml/2006/main" xmlns:r="http://schemas.openxmlformats.org/officeDocument/2006/relationships">
+<p:sld xmlns:a="http://schemas.openxmlformats.org/drawingml/2006/main" xmlns:r="http://schemas.openxmlformats.org/officeDocument/2006/relationships" xmlns:p="http://schemas.openxmlformats.org/presentationml/2006/main">
   <p:cSld>
     <p:spTree>
       <p:nvGrpSpPr>
@@ -3159,7 +3160,14 @@
         <p:cNvGrpSpPr/>
         <p:nvPr/>
       </p:nvGrpSpPr>
-      <p:grpSpPr/>
+      <p:grpSpPr>
+        <a:xfrm>
+          <a:off x="0" y="0"/>
+          <a:ext cx="0" cy="0"/>
+          <a:chOff x="0" y="0"/>
+          <a:chExt cx="0" cy="0"/>
+        </a:xfrm>
+      </p:grpSpPr>
       <p:sp>
         <p:nvSpPr>
           <p:cNvPr id="2" name="Title 1"/>
@@ -3176,7 +3184,7 @@
           <a:lstStyle/>
           <a:p>
             <a:r>
-              <a:t>Cc3D File Creation</a:t>
+              <a:t>System Description</a:t>
             </a:r>
           </a:p>
         </p:txBody>
@@ -3197,17 +3205,7 @@
           <a:lstStyle/>
           <a:p>
             <a:r>
-              <a:t>{</a:t>
-            </a:r>
-          </a:p>
-          <a:p>
-            <a:r>
-              <a:t>  "output_file": "generated_cc3d_model.cc3d"</a:t>
-            </a:r>
-          </a:p>
-          <a:p>
-            <a:r>
-              <a:t>}</a:t>
+              <a:t>one cancerous cell invading other cells</a:t>
             </a:r>
           </a:p>
         </p:txBody>
@@ -3221,7 +3219,7 @@
 </file>
 
 <file path=ppt/slides/slide3.xml><?xml version="1.0" encoding="utf-8"?>
-<p:sld xmlns:a="http://schemas.openxmlformats.org/drawingml/2006/main" xmlns:p="http://schemas.openxmlformats.org/presentationml/2006/main" xmlns:r="http://schemas.openxmlformats.org/officeDocument/2006/relationships">
+<p:sld xmlns:a="http://schemas.openxmlformats.org/drawingml/2006/main" xmlns:r="http://schemas.openxmlformats.org/officeDocument/2006/relationships" xmlns:p="http://schemas.openxmlformats.org/presentationml/2006/main">
   <p:cSld>
     <p:spTree>
       <p:nvGrpSpPr>
@@ -3229,7 +3227,14 @@
         <p:cNvGrpSpPr/>
         <p:nvPr/>
       </p:nvGrpSpPr>
-      <p:grpSpPr/>
+      <p:grpSpPr>
+        <a:xfrm>
+          <a:off x="0" y="0"/>
+          <a:ext cx="0" cy="0"/>
+          <a:chOff x="0" y="0"/>
+          <a:chExt cx="0" cy="0"/>
+        </a:xfrm>
+      </p:grpSpPr>
       <p:sp>
         <p:nvSpPr>
           <p:cNvPr id="2" name="Title 1"/>
@@ -3246,7 +3251,7 @@
           <a:lstStyle/>
           <a:p>
             <a:r>
-              <a:t>Clarifications</a:t>
+              <a:t>Llm Response</a:t>
             </a:r>
           </a:p>
         </p:txBody>
@@ -3263,11 +3268,285 @@
         </p:nvSpPr>
         <p:spPr/>
         <p:txBody>
-          <a:bodyPr/>
-          <a:lstStyle/>
-          <a:p>
-            <a:r>
-              <a:t>make your best guesses</a:t>
+          <a:bodyPr>
+            <a:normAutofit fontScale="32500" lnSpcReduction="20000"/>
+          </a:bodyPr>
+          <a:lstStyle/>
+          <a:p>
+            <a:pPr marL="0" indent="0">
+              <a:buNone/>
+            </a:pPr>
+            <a:r>
+              <a:rPr dirty="0"/>
+              <a:t>Here are specific clarification questions to help identify relevant ontologies (Cell Ontology, Gene Ontology, and </a:t>
+            </a:r>
+            <a:r>
+              <a:rPr dirty="0" err="1"/>
+              <a:t>MeSH</a:t>
+            </a:r>
+            <a:r>
+              <a:rPr dirty="0"/>
+              <a:t> terms) for the described system:  </a:t>
+            </a:r>
+          </a:p>
+          <a:p>
+            <a:pPr marL="0" indent="0">
+              <a:buNone/>
+            </a:pPr>
+            <a:endParaRPr dirty="0"/>
+          </a:p>
+          <a:p>
+            <a:pPr marL="0" indent="0">
+              <a:buNone/>
+            </a:pPr>
+            <a:r>
+              <a:rPr dirty="0"/>
+              <a:t>1. **Cell Types &amp; States**:  </a:t>
+            </a:r>
+          </a:p>
+          <a:p>
+            <a:pPr marL="0" indent="0">
+              <a:buNone/>
+            </a:pPr>
+            <a:r>
+              <a:rPr dirty="0"/>
+              <a:t>   - Is the cancerous cell of a specific type (e.g., epithelial, mesenchymal, leukemia)?  </a:t>
+            </a:r>
+          </a:p>
+          <a:p>
+            <a:pPr marL="0" indent="0">
+              <a:buNone/>
+            </a:pPr>
+            <a:r>
+              <a:rPr dirty="0"/>
+              <a:t>   - Are the "other cells" being invaded normal cells, immune cells, or other cancerous cells?  </a:t>
+            </a:r>
+          </a:p>
+          <a:p>
+            <a:pPr marL="0" indent="0">
+              <a:buNone/>
+            </a:pPr>
+            <a:r>
+              <a:rPr dirty="0"/>
+              <a:t>   - Does the cancerous cell exhibit any specific state (e.g., circulating tumor cell, metastatic)?  </a:t>
+            </a:r>
+          </a:p>
+          <a:p>
+            <a:pPr marL="0" indent="0">
+              <a:buNone/>
+            </a:pPr>
+            <a:endParaRPr dirty="0"/>
+          </a:p>
+          <a:p>
+            <a:pPr marL="0" indent="0">
+              <a:buNone/>
+            </a:pPr>
+            <a:r>
+              <a:rPr dirty="0"/>
+              <a:t>2. **Biological Processes (GO)**:  </a:t>
+            </a:r>
+          </a:p>
+          <a:p>
+            <a:pPr marL="0" indent="0">
+              <a:buNone/>
+            </a:pPr>
+            <a:r>
+              <a:rPr dirty="0"/>
+              <a:t>   - Is the invasion mediated by specific processes like *cell migration*, *extracellular matrix degradation*, or *epithelial-mesenchymal transition (EMT)*?  </a:t>
+            </a:r>
+          </a:p>
+          <a:p>
+            <a:pPr marL="0" indent="0">
+              <a:buNone/>
+            </a:pPr>
+            <a:r>
+              <a:rPr dirty="0"/>
+              <a:t>   - Are there known signaling pathways involved (e.g., </a:t>
+            </a:r>
+            <a:r>
+              <a:rPr dirty="0" err="1"/>
+              <a:t>Wnt</a:t>
+            </a:r>
+            <a:r>
+              <a:rPr dirty="0"/>
+              <a:t>, TGF-β, integrin signaling)?  </a:t>
+            </a:r>
+          </a:p>
+          <a:p>
+            <a:pPr marL="0" indent="0">
+              <a:buNone/>
+            </a:pPr>
+            <a:endParaRPr dirty="0"/>
+          </a:p>
+          <a:p>
+            <a:pPr marL="0" indent="0">
+              <a:buNone/>
+            </a:pPr>
+            <a:r>
+              <a:rPr dirty="0"/>
+              <a:t>3. **Molecular Functions (GO)**:  </a:t>
+            </a:r>
+          </a:p>
+          <a:p>
+            <a:pPr marL="0" indent="0">
+              <a:buNone/>
+            </a:pPr>
+            <a:r>
+              <a:rPr dirty="0"/>
+              <a:t>   - Are there key proteins/enzymes facilitating invasion (e.g., *matrix metalloproteinases*, *cadherins*, *integrins*)?  </a:t>
+            </a:r>
+          </a:p>
+          <a:p>
+            <a:pPr marL="0" indent="0">
+              <a:buNone/>
+            </a:pPr>
+            <a:r>
+              <a:rPr dirty="0"/>
+              <a:t>   - Does the cell exhibit altered adhesion or motility functions?  </a:t>
+            </a:r>
+          </a:p>
+          <a:p>
+            <a:pPr marL="0" indent="0">
+              <a:buNone/>
+            </a:pPr>
+            <a:endParaRPr dirty="0"/>
+          </a:p>
+          <a:p>
+            <a:pPr marL="0" indent="0">
+              <a:buNone/>
+            </a:pPr>
+            <a:r>
+              <a:rPr dirty="0"/>
+              <a:t>4. **Cellular Components (GO)**:  </a:t>
+            </a:r>
+          </a:p>
+          <a:p>
+            <a:pPr marL="0" indent="0">
+              <a:buNone/>
+            </a:pPr>
+            <a:r>
+              <a:rPr dirty="0"/>
+              <a:t>   - Are specific structures involved (e.g., *</a:t>
+            </a:r>
+            <a:r>
+              <a:rPr dirty="0" err="1"/>
+              <a:t>invadopodia</a:t>
+            </a:r>
+            <a:r>
+              <a:rPr dirty="0"/>
+              <a:t>*, *lamellipodia*, *basement membrane*)?  </a:t>
+            </a:r>
+          </a:p>
+          <a:p>
+            <a:pPr marL="0" indent="0">
+              <a:buNone/>
+            </a:pPr>
+            <a:endParaRPr dirty="0"/>
+          </a:p>
+          <a:p>
+            <a:pPr marL="0" indent="0">
+              <a:buNone/>
+            </a:pPr>
+            <a:r>
+              <a:rPr dirty="0"/>
+              <a:t>5. **Disease &amp; Anatomy (</a:t>
+            </a:r>
+            <a:r>
+              <a:rPr dirty="0" err="1"/>
+              <a:t>MeSH</a:t>
+            </a:r>
+            <a:r>
+              <a:rPr dirty="0"/>
+              <a:t>)**:  </a:t>
+            </a:r>
+          </a:p>
+          <a:p>
+            <a:pPr marL="0" indent="0">
+              <a:buNone/>
+            </a:pPr>
+            <a:r>
+              <a:rPr dirty="0"/>
+              <a:t>   - Is this related to a specific cancer (e.g., *breast neoplasms*, *melanoma*, *carcinoma*)?  </a:t>
+            </a:r>
+          </a:p>
+          <a:p>
+            <a:pPr marL="0" indent="0">
+              <a:buNone/>
+            </a:pPr>
+            <a:r>
+              <a:rPr dirty="0"/>
+              <a:t>   - What is the tissue/organ context (e.g., *bone metastasis*, *brain invasion*)?  </a:t>
+            </a:r>
+          </a:p>
+          <a:p>
+            <a:pPr marL="0" indent="0">
+              <a:buNone/>
+            </a:pPr>
+            <a:endParaRPr dirty="0"/>
+          </a:p>
+          <a:p>
+            <a:pPr marL="0" indent="0">
+              <a:buNone/>
+            </a:pPr>
+            <a:r>
+              <a:rPr dirty="0"/>
+              <a:t>6. **Experimental Context**:  </a:t>
+            </a:r>
+          </a:p>
+          <a:p>
+            <a:pPr marL="0" indent="0">
+              <a:buNone/>
+            </a:pPr>
+            <a:r>
+              <a:rPr dirty="0"/>
+              <a:t>   - Is this based on *in vitro* (e.g., *cell culture models*) or *in vivo* (e.g., *xenograft models*) observations?  </a:t>
+            </a:r>
+          </a:p>
+          <a:p>
+            <a:pPr marL="0" indent="0">
+              <a:buNone/>
+            </a:pPr>
+            <a:endParaRPr dirty="0"/>
+          </a:p>
+          <a:p>
+            <a:pPr marL="0" indent="0">
+              <a:buNone/>
+            </a:pPr>
+            <a:r>
+              <a:rPr dirty="0"/>
+              <a:t>7. **Additional Mechanisms**:  </a:t>
+            </a:r>
+          </a:p>
+          <a:p>
+            <a:pPr marL="0" indent="0">
+              <a:buNone/>
+            </a:pPr>
+            <a:r>
+              <a:rPr dirty="0"/>
+              <a:t>   - Does the invasion involve *cell-cell fusion*, *</a:t>
+            </a:r>
+            <a:r>
+              <a:rPr dirty="0" err="1"/>
+              <a:t>trogocytosis</a:t>
+            </a:r>
+            <a:r>
+              <a:rPr dirty="0"/>
+              <a:t>*, or *mechanical force*?  </a:t>
+            </a:r>
+          </a:p>
+          <a:p>
+            <a:pPr marL="0" indent="0">
+              <a:buNone/>
+            </a:pPr>
+            <a:endParaRPr dirty="0"/>
+          </a:p>
+          <a:p>
+            <a:pPr marL="0" indent="0">
+              <a:buNone/>
+            </a:pPr>
+            <a:r>
+              <a:rPr dirty="0"/>
+              <a:t>These questions will help map the system to precise ontology terms for modeling. Let me know if you'd like refinements!</a:t>
             </a:r>
           </a:p>
         </p:txBody>
@@ -3281,7 +3560,7 @@
 </file>
 
 <file path=ppt/slides/slide4.xml><?xml version="1.0" encoding="utf-8"?>
-<p:sld xmlns:a="http://schemas.openxmlformats.org/drawingml/2006/main" xmlns:p="http://schemas.openxmlformats.org/presentationml/2006/main" xmlns:r="http://schemas.openxmlformats.org/officeDocument/2006/relationships">
+<p:sld xmlns:a="http://schemas.openxmlformats.org/drawingml/2006/main" xmlns:r="http://schemas.openxmlformats.org/officeDocument/2006/relationships" xmlns:p="http://schemas.openxmlformats.org/presentationml/2006/main">
   <p:cSld>
     <p:spTree>
       <p:nvGrpSpPr>
@@ -3289,7 +3568,14 @@
         <p:cNvGrpSpPr/>
         <p:nvPr/>
       </p:nvGrpSpPr>
-      <p:grpSpPr/>
+      <p:grpSpPr>
+        <a:xfrm>
+          <a:off x="0" y="0"/>
+          <a:ext cx="0" cy="0"/>
+          <a:chOff x="0" y="0"/>
+          <a:chExt cx="0" cy="0"/>
+        </a:xfrm>
+      </p:grpSpPr>
       <p:sp>
         <p:nvSpPr>
           <p:cNvPr id="2" name="Title 1"/>
@@ -3306,7 +3592,7 @@
           <a:lstStyle/>
           <a:p>
             <a:r>
-              <a:t>Llm Response</a:t>
+              <a:t>Clarifications</a:t>
             </a:r>
           </a:p>
         </p:txBody>
@@ -3327,7 +3613,7 @@
           <a:lstStyle/>
           <a:p>
             <a:r>
-              <a:t>{}</a:t>
+              <a:t>make your best guesses</a:t>
             </a:r>
           </a:p>
         </p:txBody>
@@ -3341,7 +3627,7 @@
 </file>
 
 <file path=ppt/slides/slide5.xml><?xml version="1.0" encoding="utf-8"?>
-<p:sld xmlns:a="http://schemas.openxmlformats.org/drawingml/2006/main" xmlns:p="http://schemas.openxmlformats.org/presentationml/2006/main" xmlns:r="http://schemas.openxmlformats.org/officeDocument/2006/relationships">
+<p:sld xmlns:a="http://schemas.openxmlformats.org/drawingml/2006/main" xmlns:r="http://schemas.openxmlformats.org/officeDocument/2006/relationships" xmlns:p="http://schemas.openxmlformats.org/presentationml/2006/main">
   <p:cSld>
     <p:spTree>
       <p:nvGrpSpPr>
@@ -3349,7 +3635,14 @@
         <p:cNvGrpSpPr/>
         <p:nvPr/>
       </p:nvGrpSpPr>
-      <p:grpSpPr/>
+      <p:grpSpPr>
+        <a:xfrm>
+          <a:off x="0" y="0"/>
+          <a:ext cx="0" cy="0"/>
+          <a:chOff x="0" y="0"/>
+          <a:chExt cx="0" cy="0"/>
+        </a:xfrm>
+      </p:grpSpPr>
       <p:sp>
         <p:nvSpPr>
           <p:cNvPr id="2" name="Title 1"/>
@@ -3366,7 +3659,7 @@
           <a:lstStyle/>
           <a:p>
             <a:r>
-              <a:t>System Description</a:t>
+              <a:t>Llm Response</a:t>
             </a:r>
           </a:p>
         </p:txBody>
@@ -3383,11 +3676,541 @@
         </p:nvSpPr>
         <p:spPr/>
         <p:txBody>
-          <a:bodyPr/>
-          <a:lstStyle/>
-          <a:p>
-            <a:r>
-              <a:t>one cancerous cell invading other cells</a:t>
+          <a:bodyPr>
+            <a:normAutofit fontScale="25000" lnSpcReduction="20000"/>
+          </a:bodyPr>
+          <a:lstStyle/>
+          <a:p>
+            <a:pPr marL="0" indent="0">
+              <a:buNone/>
+            </a:pPr>
+            <a:r>
+              <a:rPr dirty="0"/>
+              <a:t>```</a:t>
+            </a:r>
+            <a:r>
+              <a:rPr dirty="0" err="1"/>
+              <a:t>json</a:t>
+            </a:r>
+            <a:endParaRPr dirty="0"/>
+          </a:p>
+          <a:p>
+            <a:pPr marL="0" indent="0">
+              <a:buNone/>
+            </a:pPr>
+            <a:r>
+              <a:rPr dirty="0"/>
+              <a:t>{</a:t>
+            </a:r>
+          </a:p>
+          <a:p>
+            <a:pPr marL="0" indent="0">
+              <a:buNone/>
+            </a:pPr>
+            <a:r>
+              <a:rPr dirty="0"/>
+              <a:t>  "</a:t>
+            </a:r>
+            <a:r>
+              <a:rPr dirty="0" err="1"/>
+              <a:t>Cell_Ontology</a:t>
+            </a:r>
+            <a:r>
+              <a:rPr dirty="0"/>
+              <a:t>": {</a:t>
+            </a:r>
+          </a:p>
+          <a:p>
+            <a:pPr marL="0" indent="0">
+              <a:buNone/>
+            </a:pPr>
+            <a:r>
+              <a:rPr dirty="0"/>
+              <a:t>    "terms": [</a:t>
+            </a:r>
+          </a:p>
+          <a:p>
+            <a:pPr marL="0" indent="0">
+              <a:buNone/>
+            </a:pPr>
+            <a:r>
+              <a:rPr dirty="0"/>
+              <a:t>      {</a:t>
+            </a:r>
+          </a:p>
+          <a:p>
+            <a:pPr marL="0" indent="0">
+              <a:buNone/>
+            </a:pPr>
+            <a:r>
+              <a:rPr dirty="0"/>
+              <a:t>        "id": "CL:0001063",</a:t>
+            </a:r>
+          </a:p>
+          <a:p>
+            <a:pPr marL="0" indent="0">
+              <a:buNone/>
+            </a:pPr>
+            <a:r>
+              <a:rPr dirty="0"/>
+              <a:t>        "label": "cancer cell",</a:t>
+            </a:r>
+          </a:p>
+          <a:p>
+            <a:pPr marL="0" indent="0">
+              <a:buNone/>
+            </a:pPr>
+            <a:r>
+              <a:rPr dirty="0"/>
+              <a:t>        "definition": "A cell that is part of a malignant neoplasm."</a:t>
+            </a:r>
+          </a:p>
+          <a:p>
+            <a:pPr marL="0" indent="0">
+              <a:buNone/>
+            </a:pPr>
+            <a:r>
+              <a:rPr dirty="0"/>
+              <a:t>      },</a:t>
+            </a:r>
+          </a:p>
+          <a:p>
+            <a:pPr marL="0" indent="0">
+              <a:buNone/>
+            </a:pPr>
+            <a:r>
+              <a:rPr dirty="0"/>
+              <a:t>      {</a:t>
+            </a:r>
+          </a:p>
+          <a:p>
+            <a:pPr marL="0" indent="0">
+              <a:buNone/>
+            </a:pPr>
+            <a:r>
+              <a:rPr dirty="0"/>
+              <a:t>        "id": "CL:0000548",</a:t>
+            </a:r>
+          </a:p>
+          <a:p>
+            <a:pPr marL="0" indent="0">
+              <a:buNone/>
+            </a:pPr>
+            <a:r>
+              <a:rPr dirty="0"/>
+              <a:t>        "label": "invasive cell",</a:t>
+            </a:r>
+          </a:p>
+          <a:p>
+            <a:pPr marL="0" indent="0">
+              <a:buNone/>
+            </a:pPr>
+            <a:r>
+              <a:rPr dirty="0"/>
+              <a:t>        "definition": "A cell that has the ability to invade surrounding tissues."</a:t>
+            </a:r>
+          </a:p>
+          <a:p>
+            <a:pPr marL="0" indent="0">
+              <a:buNone/>
+            </a:pPr>
+            <a:r>
+              <a:rPr dirty="0"/>
+              <a:t>      }</a:t>
+            </a:r>
+          </a:p>
+          <a:p>
+            <a:pPr marL="0" indent="0">
+              <a:buNone/>
+            </a:pPr>
+            <a:r>
+              <a:rPr dirty="0"/>
+              <a:t>    ]</a:t>
+            </a:r>
+          </a:p>
+          <a:p>
+            <a:pPr marL="0" indent="0">
+              <a:buNone/>
+            </a:pPr>
+            <a:r>
+              <a:rPr dirty="0"/>
+              <a:t>  },</a:t>
+            </a:r>
+          </a:p>
+          <a:p>
+            <a:pPr marL="0" indent="0">
+              <a:buNone/>
+            </a:pPr>
+            <a:r>
+              <a:rPr dirty="0"/>
+              <a:t>  "</a:t>
+            </a:r>
+            <a:r>
+              <a:rPr dirty="0" err="1"/>
+              <a:t>Gene_Ontology</a:t>
+            </a:r>
+            <a:r>
+              <a:rPr dirty="0"/>
+              <a:t>": {</a:t>
+            </a:r>
+          </a:p>
+          <a:p>
+            <a:pPr marL="0" indent="0">
+              <a:buNone/>
+            </a:pPr>
+            <a:r>
+              <a:rPr dirty="0"/>
+              <a:t>    "terms": [</a:t>
+            </a:r>
+          </a:p>
+          <a:p>
+            <a:pPr marL="0" indent="0">
+              <a:buNone/>
+            </a:pPr>
+            <a:r>
+              <a:rPr dirty="0"/>
+              <a:t>      {</a:t>
+            </a:r>
+          </a:p>
+          <a:p>
+            <a:pPr marL="0" indent="0">
+              <a:buNone/>
+            </a:pPr>
+            <a:r>
+              <a:rPr dirty="0"/>
+              <a:t>        "id": "GO:0006915",</a:t>
+            </a:r>
+          </a:p>
+          <a:p>
+            <a:pPr marL="0" indent="0">
+              <a:buNone/>
+            </a:pPr>
+            <a:r>
+              <a:rPr dirty="0"/>
+              <a:t>        "label": "apoptotic process",</a:t>
+            </a:r>
+          </a:p>
+          <a:p>
+            <a:pPr marL="0" indent="0">
+              <a:buNone/>
+            </a:pPr>
+            <a:r>
+              <a:rPr dirty="0"/>
+              <a:t>        "definition": "A programmed cell death process which begins when a cell receives an internal (e.g., DNA damage) or external signal (e.g., ligand binding to a death receptor), and proceeds through a series of biochemical events (signaling pathway phase) which trigger an execution phase."</a:t>
+            </a:r>
+          </a:p>
+          <a:p>
+            <a:pPr marL="0" indent="0">
+              <a:buNone/>
+            </a:pPr>
+            <a:r>
+              <a:rPr dirty="0"/>
+              <a:t>      },</a:t>
+            </a:r>
+          </a:p>
+          <a:p>
+            <a:pPr marL="0" indent="0">
+              <a:buNone/>
+            </a:pPr>
+            <a:r>
+              <a:rPr dirty="0"/>
+              <a:t>      {</a:t>
+            </a:r>
+          </a:p>
+          <a:p>
+            <a:pPr marL="0" indent="0">
+              <a:buNone/>
+            </a:pPr>
+            <a:r>
+              <a:rPr dirty="0"/>
+              <a:t>        "id": "GO:0034330",</a:t>
+            </a:r>
+          </a:p>
+          <a:p>
+            <a:pPr marL="0" indent="0">
+              <a:buNone/>
+            </a:pPr>
+            <a:r>
+              <a:rPr dirty="0"/>
+              <a:t>        "label": "cell junction organization",</a:t>
+            </a:r>
+          </a:p>
+          <a:p>
+            <a:pPr marL="0" indent="0">
+              <a:buNone/>
+            </a:pPr>
+            <a:r>
+              <a:rPr dirty="0"/>
+              <a:t>        "definition": "A process that is carried out at the cellular level which results in the assembly, arrangement of constituent parts, or disassembly of a cell junction."</a:t>
+            </a:r>
+          </a:p>
+          <a:p>
+            <a:pPr marL="0" indent="0">
+              <a:buNone/>
+            </a:pPr>
+            <a:r>
+              <a:rPr dirty="0"/>
+              <a:t>      },</a:t>
+            </a:r>
+          </a:p>
+          <a:p>
+            <a:pPr marL="0" indent="0">
+              <a:buNone/>
+            </a:pPr>
+            <a:r>
+              <a:rPr dirty="0"/>
+              <a:t>      {</a:t>
+            </a:r>
+          </a:p>
+          <a:p>
+            <a:pPr marL="0" indent="0">
+              <a:buNone/>
+            </a:pPr>
+            <a:r>
+              <a:rPr dirty="0"/>
+              <a:t>        "id": "GO:0042060",</a:t>
+            </a:r>
+          </a:p>
+          <a:p>
+            <a:pPr marL="0" indent="0">
+              <a:buNone/>
+            </a:pPr>
+            <a:r>
+              <a:rPr dirty="0"/>
+              <a:t>        "label": "wound healing",</a:t>
+            </a:r>
+          </a:p>
+          <a:p>
+            <a:pPr marL="0" indent="0">
+              <a:buNone/>
+            </a:pPr>
+            <a:r>
+              <a:rPr dirty="0"/>
+              <a:t>        "definition": "The series of events that restore integrity to a damaged tissue, following an injury."</a:t>
+            </a:r>
+          </a:p>
+          <a:p>
+            <a:pPr marL="0" indent="0">
+              <a:buNone/>
+            </a:pPr>
+            <a:r>
+              <a:rPr dirty="0"/>
+              <a:t>      }</a:t>
+            </a:r>
+          </a:p>
+          <a:p>
+            <a:pPr marL="0" indent="0">
+              <a:buNone/>
+            </a:pPr>
+            <a:r>
+              <a:rPr dirty="0"/>
+              <a:t>    ]</a:t>
+            </a:r>
+          </a:p>
+          <a:p>
+            <a:pPr marL="0" indent="0">
+              <a:buNone/>
+            </a:pPr>
+            <a:r>
+              <a:rPr dirty="0"/>
+              <a:t>  },</a:t>
+            </a:r>
+          </a:p>
+          <a:p>
+            <a:pPr marL="0" indent="0">
+              <a:buNone/>
+            </a:pPr>
+            <a:r>
+              <a:rPr dirty="0"/>
+              <a:t>  "</a:t>
+            </a:r>
+            <a:r>
+              <a:rPr dirty="0" err="1"/>
+              <a:t>MeSH</a:t>
+            </a:r>
+            <a:r>
+              <a:rPr dirty="0"/>
+              <a:t>": {</a:t>
+            </a:r>
+          </a:p>
+          <a:p>
+            <a:pPr marL="0" indent="0">
+              <a:buNone/>
+            </a:pPr>
+            <a:r>
+              <a:rPr dirty="0"/>
+              <a:t>    "terms": [</a:t>
+            </a:r>
+          </a:p>
+          <a:p>
+            <a:pPr marL="0" indent="0">
+              <a:buNone/>
+            </a:pPr>
+            <a:r>
+              <a:rPr dirty="0"/>
+              <a:t>      {</a:t>
+            </a:r>
+          </a:p>
+          <a:p>
+            <a:pPr marL="0" indent="0">
+              <a:buNone/>
+            </a:pPr>
+            <a:r>
+              <a:rPr dirty="0"/>
+              <a:t>        "id": "D009369",</a:t>
+            </a:r>
+          </a:p>
+          <a:p>
+            <a:pPr marL="0" indent="0">
+              <a:buNone/>
+            </a:pPr>
+            <a:r>
+              <a:rPr dirty="0"/>
+              <a:t>        "label": "Neoplasm Invasiveness",</a:t>
+            </a:r>
+          </a:p>
+          <a:p>
+            <a:pPr marL="0" indent="0">
+              <a:buNone/>
+            </a:pPr>
+            <a:r>
+              <a:rPr dirty="0"/>
+              <a:t>        "definition": "Ability of neoplasms to infiltrate and actively destroy surrounding tissue."</a:t>
+            </a:r>
+          </a:p>
+          <a:p>
+            <a:pPr marL="0" indent="0">
+              <a:buNone/>
+            </a:pPr>
+            <a:r>
+              <a:rPr dirty="0"/>
+              <a:t>      },</a:t>
+            </a:r>
+          </a:p>
+          <a:p>
+            <a:pPr marL="0" indent="0">
+              <a:buNone/>
+            </a:pPr>
+            <a:r>
+              <a:rPr dirty="0"/>
+              <a:t>      {</a:t>
+            </a:r>
+          </a:p>
+          <a:p>
+            <a:pPr marL="0" indent="0">
+              <a:buNone/>
+            </a:pPr>
+            <a:r>
+              <a:rPr dirty="0"/>
+              <a:t>        "id": "D009361",</a:t>
+            </a:r>
+          </a:p>
+          <a:p>
+            <a:pPr marL="0" indent="0">
+              <a:buNone/>
+            </a:pPr>
+            <a:r>
+              <a:rPr dirty="0"/>
+              <a:t>        "label": "Neoplasm Metastasis",</a:t>
+            </a:r>
+          </a:p>
+          <a:p>
+            <a:pPr marL="0" indent="0">
+              <a:buNone/>
+            </a:pPr>
+            <a:r>
+              <a:rPr dirty="0"/>
+              <a:t>        "definition": "The transfer of a neoplasm from one organ or part of the body to another remote from the primary site."</a:t>
+            </a:r>
+          </a:p>
+          <a:p>
+            <a:pPr marL="0" indent="0">
+              <a:buNone/>
+            </a:pPr>
+            <a:r>
+              <a:rPr dirty="0"/>
+              <a:t>      },</a:t>
+            </a:r>
+          </a:p>
+          <a:p>
+            <a:pPr marL="0" indent="0">
+              <a:buNone/>
+            </a:pPr>
+            <a:r>
+              <a:rPr dirty="0"/>
+              <a:t>      {</a:t>
+            </a:r>
+          </a:p>
+          <a:p>
+            <a:pPr marL="0" indent="0">
+              <a:buNone/>
+            </a:pPr>
+            <a:r>
+              <a:rPr dirty="0"/>
+              <a:t>        "id": "D018908",</a:t>
+            </a:r>
+          </a:p>
+          <a:p>
+            <a:pPr marL="0" indent="0">
+              <a:buNone/>
+            </a:pPr>
+            <a:r>
+              <a:rPr dirty="0"/>
+              <a:t>        "label": "Cell Movement",</a:t>
+            </a:r>
+          </a:p>
+          <a:p>
+            <a:pPr marL="0" indent="0">
+              <a:buNone/>
+            </a:pPr>
+            <a:r>
+              <a:rPr dirty="0"/>
+              <a:t>        "definition": "The movement of cells from one location to another. Distinguish from CYTOKINESIS which is the process of dividing the CYTOPLASM of a cell."</a:t>
+            </a:r>
+          </a:p>
+          <a:p>
+            <a:pPr marL="0" indent="0">
+              <a:buNone/>
+            </a:pPr>
+            <a:r>
+              <a:rPr dirty="0"/>
+              <a:t>      }</a:t>
+            </a:r>
+          </a:p>
+          <a:p>
+            <a:pPr marL="0" indent="0">
+              <a:buNone/>
+            </a:pPr>
+            <a:r>
+              <a:rPr dirty="0"/>
+              <a:t>    ]</a:t>
+            </a:r>
+          </a:p>
+          <a:p>
+            <a:pPr marL="0" indent="0">
+              <a:buNone/>
+            </a:pPr>
+            <a:r>
+              <a:rPr dirty="0"/>
+              <a:t>  }</a:t>
+            </a:r>
+          </a:p>
+          <a:p>
+            <a:pPr marL="0" indent="0">
+              <a:buNone/>
+            </a:pPr>
+            <a:r>
+              <a:rPr dirty="0"/>
+              <a:t>}</a:t>
+            </a:r>
+          </a:p>
+          <a:p>
+            <a:pPr marL="0" indent="0">
+              <a:buNone/>
+            </a:pPr>
+            <a:r>
+              <a:rPr dirty="0"/>
+              <a:t>```</a:t>
             </a:r>
           </a:p>
         </p:txBody>
@@ -3401,7 +4224,7 @@
 </file>
 
 <file path=ppt/slides/slide6.xml><?xml version="1.0" encoding="utf-8"?>
-<p:sld xmlns:a="http://schemas.openxmlformats.org/drawingml/2006/main" xmlns:p="http://schemas.openxmlformats.org/presentationml/2006/main" xmlns:r="http://schemas.openxmlformats.org/officeDocument/2006/relationships">
+<p:sld xmlns:a="http://schemas.openxmlformats.org/drawingml/2006/main" xmlns:r="http://schemas.openxmlformats.org/officeDocument/2006/relationships" xmlns:p="http://schemas.openxmlformats.org/presentationml/2006/main">
   <p:cSld>
     <p:spTree>
       <p:nvGrpSpPr>
@@ -3409,7 +4232,14 @@
         <p:cNvGrpSpPr/>
         <p:nvPr/>
       </p:nvGrpSpPr>
-      <p:grpSpPr/>
+      <p:grpSpPr>
+        <a:xfrm>
+          <a:off x="0" y="0"/>
+          <a:ext cx="0" cy="0"/>
+          <a:chOff x="0" y="0"/>
+          <a:chExt cx="0" cy="0"/>
+        </a:xfrm>
+      </p:grpSpPr>
       <p:sp>
         <p:nvSpPr>
           <p:cNvPr id="2" name="Title 1"/>
@@ -3426,7 +4256,7 @@
           <a:lstStyle/>
           <a:p>
             <a:r>
-              <a:t>Llm Response</a:t>
+              <a:t>Cc3D File Creation</a:t>
             </a:r>
           </a:p>
         </p:txBody>
@@ -3446,116 +4276,38 @@
           <a:bodyPr/>
           <a:lstStyle/>
           <a:p>
-            <a:r>
-              <a:t>Here are specific clarification questions to help identify relevant ontologies (Cell Ontology, Gene Ontology, and MeSH terms) for the described system:  </a:t>
-            </a:r>
-          </a:p>
-          <a:p/>
-          <a:p>
-            <a:r>
-              <a:t>1. **Cell Types &amp; States**:  </a:t>
-            </a:r>
-          </a:p>
-          <a:p>
-            <a:r>
-              <a:t>   - Is the cancerous cell of a specific type (e.g., epithelial, mesenchymal, leukemia)?  </a:t>
-            </a:r>
-          </a:p>
-          <a:p>
-            <a:r>
-              <a:t>   - Are the "other cells" being invaded normal cells, immune cells, or other cancerous cells?  </a:t>
-            </a:r>
-          </a:p>
-          <a:p>
-            <a:r>
-              <a:t>   - Does the cancerous cell exhibit any specific state (e.g., circulating tumor cell, metastatic)?  </a:t>
-            </a:r>
-          </a:p>
-          <a:p/>
-          <a:p>
-            <a:r>
-              <a:t>2. **Biological Processes (GO)**:  </a:t>
-            </a:r>
-          </a:p>
-          <a:p>
-            <a:r>
-              <a:t>   - Is the invasion mediated by specific processes like *cell migration*, *extracellular matrix degradation*, or *epithelial-mesenchymal transition (EMT)*?  </a:t>
-            </a:r>
-          </a:p>
-          <a:p>
-            <a:r>
-              <a:t>   - Are there known signaling pathways involved (e.g., Wnt, TGF-β, integrin signaling)?  </a:t>
-            </a:r>
-          </a:p>
-          <a:p/>
-          <a:p>
-            <a:r>
-              <a:t>3. **Molecular Functions (GO)**:  </a:t>
-            </a:r>
-          </a:p>
-          <a:p>
-            <a:r>
-              <a:t>   - Are there key proteins/enzymes facilitating invasion (e.g., *matrix metalloproteinases*, *cadherins*, *integrins*)?  </a:t>
-            </a:r>
-          </a:p>
-          <a:p>
-            <a:r>
-              <a:t>   - Does the cell exhibit altered adhesion or motility functions?  </a:t>
-            </a:r>
-          </a:p>
-          <a:p/>
-          <a:p>
-            <a:r>
-              <a:t>4. **Cellular Components (GO)**:  </a:t>
-            </a:r>
-          </a:p>
-          <a:p>
-            <a:r>
-              <a:t>   - Are specific structures involved (e.g., *invadopodia*, *lamellipodia*, *basement membrane*)?  </a:t>
-            </a:r>
-          </a:p>
-          <a:p/>
-          <a:p>
-            <a:r>
-              <a:t>5. **Disease &amp; Anatomy (MeSH)**:  </a:t>
-            </a:r>
-          </a:p>
-          <a:p>
-            <a:r>
-              <a:t>   - Is this related to a specific cancer (e.g., *breast neoplasms*, *melanoma*, *carcinoma*)?  </a:t>
-            </a:r>
-          </a:p>
-          <a:p>
-            <a:r>
-              <a:t>   - What is the tissue/organ context (e.g., *bone metastasis*, *brain invasion*)?  </a:t>
-            </a:r>
-          </a:p>
-          <a:p/>
-          <a:p>
-            <a:r>
-              <a:t>6. **Experimental Context**:  </a:t>
-            </a:r>
-          </a:p>
-          <a:p>
-            <a:r>
-              <a:t>   - Is this based on *in vitro* (e.g., *cell culture models*) or *in vivo* (e.g., *xenograft models*) observations?  </a:t>
-            </a:r>
-          </a:p>
-          <a:p/>
-          <a:p>
-            <a:r>
-              <a:t>7. **Additional Mechanisms**:  </a:t>
-            </a:r>
-          </a:p>
-          <a:p>
-            <a:r>
-              <a:t>   - Does the invasion involve *cell-cell fusion*, *trogocytosis*, or *mechanical force*?  </a:t>
-            </a:r>
-          </a:p>
-          <a:p/>
-          <a:p>
-            <a:r>
-              <a:t>These questions will help map the system to precise ontology terms for modeling. Let me know if you'd like refinements!</a:t>
+            <a:pPr marL="0" indent="0">
+              <a:buNone/>
+            </a:pPr>
+            <a:r>
+              <a:rPr dirty="0"/>
+              <a:t>{</a:t>
+            </a:r>
+          </a:p>
+          <a:p>
+            <a:pPr marL="0" indent="0">
+              <a:buNone/>
+            </a:pPr>
+            <a:r>
+              <a:rPr dirty="0"/>
+              <a:t>  "</a:t>
+            </a:r>
+            <a:r>
+              <a:rPr dirty="0" err="1"/>
+              <a:t>output_file</a:t>
+            </a:r>
+            <a:r>
+              <a:rPr dirty="0"/>
+              <a:t>": "generated_cc3d_model.cc3d"</a:t>
+            </a:r>
+          </a:p>
+          <a:p>
+            <a:pPr marL="0" indent="0">
+              <a:buNone/>
+            </a:pPr>
+            <a:r>
+              <a:rPr dirty="0"/>
+              <a:t>}</a:t>
             </a:r>
           </a:p>
         </p:txBody>
@@ -3569,7 +4321,7 @@
 </file>
 
 <file path=ppt/slides/slide7.xml><?xml version="1.0" encoding="utf-8"?>
-<p:sld xmlns:a="http://schemas.openxmlformats.org/drawingml/2006/main" xmlns:p="http://schemas.openxmlformats.org/presentationml/2006/main" xmlns:r="http://schemas.openxmlformats.org/officeDocument/2006/relationships">
+<p:sld xmlns:a="http://schemas.openxmlformats.org/drawingml/2006/main" xmlns:r="http://schemas.openxmlformats.org/officeDocument/2006/relationships" xmlns:p="http://schemas.openxmlformats.org/presentationml/2006/main">
   <p:cSld>
     <p:spTree>
       <p:nvGrpSpPr>
@@ -3577,7 +4329,14 @@
         <p:cNvGrpSpPr/>
         <p:nvPr/>
       </p:nvGrpSpPr>
-      <p:grpSpPr/>
+      <p:grpSpPr>
+        <a:xfrm>
+          <a:off x="0" y="0"/>
+          <a:ext cx="0" cy="0"/>
+          <a:chOff x="0" y="0"/>
+          <a:chExt cx="0" cy="0"/>
+        </a:xfrm>
+      </p:grpSpPr>
       <p:sp>
         <p:nvSpPr>
           <p:cNvPr id="2" name="Title 1"/>
@@ -3611,602 +4370,877 @@
         </p:nvSpPr>
         <p:spPr/>
         <p:txBody>
-          <a:bodyPr/>
-          <a:lstStyle/>
-          <a:p>
-            <a:r>
-              <a:t>```json</a:t>
-            </a:r>
-          </a:p>
-          <a:p>
-            <a:r>
-              <a:t>{</a:t>
-            </a:r>
-          </a:p>
-          <a:p>
-            <a:r>
-              <a:t>  "Cell_Ontology": {</a:t>
-            </a:r>
-          </a:p>
-          <a:p>
-            <a:r>
-              <a:t>    "terms": [</a:t>
-            </a:r>
-          </a:p>
-          <a:p>
-            <a:r>
-              <a:t>      {</a:t>
-            </a:r>
-          </a:p>
-          <a:p>
-            <a:r>
-              <a:t>        "id": "CL:0001063",</a:t>
-            </a:r>
-          </a:p>
-          <a:p>
-            <a:r>
-              <a:t>        "label": "cancer cell",</a:t>
-            </a:r>
-          </a:p>
-          <a:p>
-            <a:r>
-              <a:t>        "definition": "A cell that is part of a malignant neoplasm."</a:t>
-            </a:r>
-          </a:p>
-          <a:p>
-            <a:r>
-              <a:t>      },</a:t>
-            </a:r>
-          </a:p>
-          <a:p>
-            <a:r>
-              <a:t>      {</a:t>
-            </a:r>
-          </a:p>
-          <a:p>
-            <a:r>
-              <a:t>        "id": "CL:0000548",</a:t>
-            </a:r>
-          </a:p>
-          <a:p>
-            <a:r>
-              <a:t>        "label": "invasive cell",</a:t>
-            </a:r>
-          </a:p>
-          <a:p>
-            <a:r>
-              <a:t>        "definition": "A cell that has the ability to invade surrounding tissues."</a:t>
-            </a:r>
-          </a:p>
-          <a:p>
-            <a:r>
-              <a:t>      }</a:t>
-            </a:r>
-          </a:p>
-          <a:p>
-            <a:r>
-              <a:t>    ]</a:t>
-            </a:r>
-          </a:p>
-          <a:p>
-            <a:r>
-              <a:t>  },</a:t>
-            </a:r>
-          </a:p>
-          <a:p>
-            <a:r>
-              <a:t>  "Gene_Ontology": {</a:t>
-            </a:r>
-          </a:p>
-          <a:p>
-            <a:r>
-              <a:t>    "terms": [</a:t>
-            </a:r>
-          </a:p>
-          <a:p>
-            <a:r>
-              <a:t>      {</a:t>
-            </a:r>
-          </a:p>
-          <a:p>
-            <a:r>
-              <a:t>        "id": "GO:0006915",</a:t>
-            </a:r>
-          </a:p>
-          <a:p>
-            <a:r>
-              <a:t>        "label": "apoptotic process",</a:t>
-            </a:r>
-          </a:p>
-          <a:p>
-            <a:r>
-              <a:t>        "definition": "A programmed cell death process which begins when a cell receives an internal (e.g., DNA damage) or external signal (e.g., ligand binding to a death receptor), and proceeds through a series of biochemical events (signaling pathway phase) which trigger an execution phase."</a:t>
-            </a:r>
-          </a:p>
-          <a:p>
-            <a:r>
-              <a:t>      },</a:t>
-            </a:r>
-          </a:p>
-          <a:p>
-            <a:r>
-              <a:t>      {</a:t>
-            </a:r>
-          </a:p>
-          <a:p>
-            <a:r>
-              <a:t>        "id": "GO:0034330",</a:t>
-            </a:r>
-          </a:p>
-          <a:p>
-            <a:r>
-              <a:t>        "label": "cell junction organization",</a:t>
-            </a:r>
-          </a:p>
-          <a:p>
-            <a:r>
-              <a:t>        "definition": "A process that is carried out at the cellular level which results in the assembly, arrangement of constituent parts, or disassembly of a cell junction."</a:t>
-            </a:r>
-          </a:p>
-          <a:p>
-            <a:r>
-              <a:t>      },</a:t>
-            </a:r>
-          </a:p>
-          <a:p>
-            <a:r>
-              <a:t>      {</a:t>
-            </a:r>
-          </a:p>
-          <a:p>
-            <a:r>
-              <a:t>        "id": "GO:0042060",</a:t>
-            </a:r>
-          </a:p>
-          <a:p>
-            <a:r>
-              <a:t>        "label": "wound healing",</a:t>
-            </a:r>
-          </a:p>
-          <a:p>
-            <a:r>
-              <a:t>        "definition": "The series of events that restore integrity to a damaged tissue, following an injury."</a:t>
-            </a:r>
-          </a:p>
-          <a:p>
-            <a:r>
-              <a:t>      }</a:t>
-            </a:r>
-          </a:p>
-          <a:p>
-            <a:r>
-              <a:t>    ]</a:t>
-            </a:r>
-          </a:p>
-          <a:p>
-            <a:r>
-              <a:t>  },</a:t>
-            </a:r>
-          </a:p>
-          <a:p>
-            <a:r>
-              <a:t>  "MeSH": {</a:t>
-            </a:r>
-          </a:p>
-          <a:p>
-            <a:r>
-              <a:t>    "terms": [</a:t>
-            </a:r>
-          </a:p>
-          <a:p>
-            <a:r>
-              <a:t>      {</a:t>
-            </a:r>
-          </a:p>
-          <a:p>
-            <a:r>
-              <a:t>        "id": "D009369",</a:t>
-            </a:r>
-          </a:p>
-          <a:p>
-            <a:r>
-              <a:t>        "label": "Neoplasm Invasiveness",</a:t>
-            </a:r>
-          </a:p>
-          <a:p>
-            <a:r>
-              <a:t>        "definition": "Ability of neoplasms to infiltrate and actively destroy surrounding tissue."</a:t>
-            </a:r>
-          </a:p>
-          <a:p>
-            <a:r>
-              <a:t>      },</a:t>
-            </a:r>
-          </a:p>
-          <a:p>
-            <a:r>
-              <a:t>      {</a:t>
-            </a:r>
-          </a:p>
-          <a:p>
-            <a:r>
-              <a:t>        "id": "D009361",</a:t>
-            </a:r>
-          </a:p>
-          <a:p>
-            <a:r>
-              <a:t>        "label": "Neoplasm Metastasis",</a:t>
-            </a:r>
-          </a:p>
-          <a:p>
-            <a:r>
-              <a:t>        "definition": "The transfer of a neoplasm from one organ or part of the body to another remote from the primary site."</a:t>
-            </a:r>
-          </a:p>
-          <a:p>
-            <a:r>
-              <a:t>      },</a:t>
-            </a:r>
-          </a:p>
-          <a:p>
-            <a:r>
-              <a:t>      {</a:t>
-            </a:r>
-          </a:p>
-          <a:p>
-            <a:r>
-              <a:t>        "id": "D018908",</a:t>
-            </a:r>
-          </a:p>
-          <a:p>
-            <a:r>
-              <a:t>        "label": "Cell Movement",</a:t>
-            </a:r>
-          </a:p>
-          <a:p>
-            <a:r>
-              <a:t>        "definition": "The movement of cells from one location to another. Distinguish from CYTOKINESIS which is the process of dividing the CYTOPLASM of a cell."</a:t>
-            </a:r>
-          </a:p>
-          <a:p>
-            <a:r>
-              <a:t>      }</a:t>
-            </a:r>
-          </a:p>
-          <a:p>
-            <a:r>
-              <a:t>    ]</a:t>
-            </a:r>
-          </a:p>
-          <a:p>
-            <a:r>
-              <a:t>  }</a:t>
-            </a:r>
-          </a:p>
-          <a:p>
-            <a:r>
-              <a:t>}</a:t>
-            </a:r>
-          </a:p>
-          <a:p>
-            <a:r>
-              <a:t>```</a:t>
-            </a:r>
-          </a:p>
-        </p:txBody>
-      </p:sp>
-    </p:spTree>
-  </p:cSld>
-  <p:clrMapOvr>
-    <a:masterClrMapping/>
-  </p:clrMapOvr>
-</p:sld>
-</file>
-
-<file path=ppt/slides/slide8.xml><?xml version="1.0" encoding="utf-8"?>
-<p:sld xmlns:a="http://schemas.openxmlformats.org/drawingml/2006/main" xmlns:p="http://schemas.openxmlformats.org/presentationml/2006/main" xmlns:r="http://schemas.openxmlformats.org/officeDocument/2006/relationships">
-  <p:cSld>
-    <p:spTree>
-      <p:nvGrpSpPr>
-        <p:cNvPr id="1" name=""/>
-        <p:cNvGrpSpPr/>
-        <p:nvPr/>
-      </p:nvGrpSpPr>
-      <p:grpSpPr/>
-      <p:sp>
-        <p:nvSpPr>
-          <p:cNvPr id="2" name="Title 1"/>
-          <p:cNvSpPr>
-            <a:spLocks noGrp="1"/>
-          </p:cNvSpPr>
-          <p:nvPr>
-            <p:ph type="title"/>
-          </p:nvPr>
-        </p:nvSpPr>
-        <p:spPr/>
-        <p:txBody>
-          <a:bodyPr/>
-          <a:lstStyle/>
-          <a:p>
-            <a:r>
-              <a:t>Llm Response</a:t>
-            </a:r>
-          </a:p>
-        </p:txBody>
-      </p:sp>
-      <p:sp>
-        <p:nvSpPr>
-          <p:cNvPr id="3" name="Content Placeholder 2"/>
-          <p:cNvSpPr>
-            <a:spLocks noGrp="1"/>
-          </p:cNvSpPr>
-          <p:nvPr>
-            <p:ph idx="1"/>
-          </p:nvPr>
-        </p:nvSpPr>
-        <p:spPr/>
-        <p:txBody>
-          <a:bodyPr/>
-          <a:lstStyle/>
-          <a:p>
-            <a:r>
+          <a:bodyPr>
+            <a:normAutofit fontScale="25000" lnSpcReduction="20000"/>
+          </a:bodyPr>
+          <a:lstStyle/>
+          <a:p>
+            <a:pPr marL="0" indent="0">
+              <a:buNone/>
+            </a:pPr>
+            <a:r>
+              <a:rPr dirty="0"/>
               <a:t>```python</a:t>
             </a:r>
           </a:p>
           <a:p>
-            <a:r>
+            <a:pPr marL="0" indent="0">
+              <a:buNone/>
+            </a:pPr>
+            <a:r>
+              <a:rPr dirty="0"/>
               <a:t>from cc3d.core.PySteppables import *</a:t>
             </a:r>
           </a:p>
           <a:p>
-            <a:r>
-              <a:t>from cc3d import CompuCellSetup</a:t>
-            </a:r>
-          </a:p>
-          <a:p/>
-          <a:p>
-            <a:r>
-              <a:t>class CancerInvasionSteppable(SteppableBasePy):</a:t>
-            </a:r>
-          </a:p>
-          <a:p>
-            <a:r>
-              <a:t>    def __init__(self, frequency=1):</a:t>
-            </a:r>
-          </a:p>
-          <a:p>
-            <a:r>
-              <a:t>        super().__init__(frequency)</a:t>
-            </a:r>
-          </a:p>
-          <a:p>
-            <a:r>
+            <a:pPr marL="0" indent="0">
+              <a:buNone/>
+            </a:pPr>
+            <a:r>
+              <a:rPr dirty="0"/>
+              <a:t>from cc3d import </a:t>
+            </a:r>
+            <a:r>
+              <a:rPr dirty="0" err="1"/>
+              <a:t>CompuCellSetup</a:t>
+            </a:r>
+            <a:endParaRPr dirty="0"/>
+          </a:p>
+          <a:p>
+            <a:pPr marL="0" indent="0">
+              <a:buNone/>
+            </a:pPr>
+            <a:endParaRPr dirty="0"/>
+          </a:p>
+          <a:p>
+            <a:pPr marL="0" indent="0">
+              <a:buNone/>
+            </a:pPr>
+            <a:r>
+              <a:rPr dirty="0"/>
+              <a:t>class </a:t>
+            </a:r>
+            <a:r>
+              <a:rPr dirty="0" err="1"/>
+              <a:t>CancerInvasionSteppable</a:t>
+            </a:r>
+            <a:r>
+              <a:rPr dirty="0"/>
+              <a:t>(</a:t>
+            </a:r>
+            <a:r>
+              <a:rPr dirty="0" err="1"/>
+              <a:t>SteppableBasePy</a:t>
+            </a:r>
+            <a:r>
+              <a:rPr dirty="0"/>
+              <a:t>):</a:t>
+            </a:r>
+          </a:p>
+          <a:p>
+            <a:pPr marL="0" indent="0">
+              <a:buNone/>
+            </a:pPr>
+            <a:r>
+              <a:rPr dirty="0"/>
+              <a:t>    def __</a:t>
+            </a:r>
+            <a:r>
+              <a:rPr dirty="0" err="1"/>
+              <a:t>init</a:t>
+            </a:r>
+            <a:r>
+              <a:rPr dirty="0"/>
+              <a:t>__(self, frequency=1):</a:t>
+            </a:r>
+          </a:p>
+          <a:p>
+            <a:pPr marL="0" indent="0">
+              <a:buNone/>
+            </a:pPr>
+            <a:r>
+              <a:rPr dirty="0"/>
+              <a:t>        super().__</a:t>
+            </a:r>
+            <a:r>
+              <a:rPr dirty="0" err="1"/>
+              <a:t>init</a:t>
+            </a:r>
+            <a:r>
+              <a:rPr dirty="0"/>
+              <a:t>__(frequency)</a:t>
+            </a:r>
+          </a:p>
+          <a:p>
+            <a:pPr marL="0" indent="0">
+              <a:buNone/>
+            </a:pPr>
+            <a:r>
+              <a:rPr dirty="0"/>
               <a:t>        </a:t>
             </a:r>
           </a:p>
           <a:p>
-            <a:r>
+            <a:pPr marL="0" indent="0">
+              <a:buNone/>
+            </a:pPr>
+            <a:r>
+              <a:rPr dirty="0"/>
               <a:t>    def start(self):</a:t>
             </a:r>
           </a:p>
           <a:p>
-            <a:r>
+            <a:pPr marL="0" indent="0">
+              <a:buNone/>
+            </a:pPr>
+            <a:r>
+              <a:rPr dirty="0"/>
               <a:t>        # Define cell types</a:t>
             </a:r>
           </a:p>
           <a:p>
-            <a:r>
-              <a:t>        self.cancer_type = self.add_new_type("CancerCell", "CL:0001063")</a:t>
-            </a:r>
-          </a:p>
-          <a:p>
-            <a:r>
-              <a:t>        self.invasive_type = self.add_new_type("InvasiveCell", "CL:0000548")</a:t>
-            </a:r>
-          </a:p>
-          <a:p>
-            <a:r>
+            <a:pPr marL="0" indent="0">
+              <a:buNone/>
+            </a:pPr>
+            <a:r>
+              <a:rPr dirty="0"/>
               <a:t>        </a:t>
             </a:r>
-          </a:p>
-          <a:p>
-            <a:r>
+            <a:r>
+              <a:rPr dirty="0" err="1"/>
+              <a:t>self.cancer_type</a:t>
+            </a:r>
+            <a:r>
+              <a:rPr dirty="0"/>
+              <a:t> = </a:t>
+            </a:r>
+            <a:r>
+              <a:rPr dirty="0" err="1"/>
+              <a:t>self.add_new_type</a:t>
+            </a:r>
+            <a:r>
+              <a:rPr dirty="0"/>
+              <a:t>("</a:t>
+            </a:r>
+            <a:r>
+              <a:rPr dirty="0" err="1"/>
+              <a:t>CancerCell</a:t>
+            </a:r>
+            <a:r>
+              <a:rPr dirty="0"/>
+              <a:t>", "CL:0001063")</a:t>
+            </a:r>
+          </a:p>
+          <a:p>
+            <a:pPr marL="0" indent="0">
+              <a:buNone/>
+            </a:pPr>
+            <a:r>
+              <a:rPr dirty="0"/>
+              <a:t>        </a:t>
+            </a:r>
+            <a:r>
+              <a:rPr dirty="0" err="1"/>
+              <a:t>self.invasive_type</a:t>
+            </a:r>
+            <a:r>
+              <a:rPr dirty="0"/>
+              <a:t> = </a:t>
+            </a:r>
+            <a:r>
+              <a:rPr dirty="0" err="1"/>
+              <a:t>self.add_new_type</a:t>
+            </a:r>
+            <a:r>
+              <a:rPr dirty="0"/>
+              <a:t>("</a:t>
+            </a:r>
+            <a:r>
+              <a:rPr dirty="0" err="1"/>
+              <a:t>InvasiveCell</a:t>
+            </a:r>
+            <a:r>
+              <a:rPr dirty="0"/>
+              <a:t>", "CL:0000548")</a:t>
+            </a:r>
+          </a:p>
+          <a:p>
+            <a:pPr marL="0" indent="0">
+              <a:buNone/>
+            </a:pPr>
+            <a:r>
+              <a:rPr dirty="0"/>
+              <a:t>        </a:t>
+            </a:r>
+          </a:p>
+          <a:p>
+            <a:pPr marL="0" indent="0">
+              <a:buNone/>
+            </a:pPr>
+            <a:r>
+              <a:rPr dirty="0"/>
               <a:t>        # Set cell type parameters</a:t>
             </a:r>
           </a:p>
           <a:p>
-            <a:r>
-              <a:t>        self.set_cell_type_parameters(self.cancer_type, "Volume", 25)</a:t>
-            </a:r>
-          </a:p>
-          <a:p>
-            <a:r>
-              <a:t>        self.set_cell_type_parameters(self.cancer_type, "Surface", 20)</a:t>
-            </a:r>
-          </a:p>
-          <a:p>
-            <a:r>
-              <a:t>        self.set_cell_type_parameters(self.invasive_type, "Volume", 20)</a:t>
-            </a:r>
-          </a:p>
-          <a:p>
-            <a:r>
-              <a:t>        self.set_cell_type_parameters(self.invasive_type, "Surface", 25)</a:t>
-            </a:r>
-          </a:p>
-          <a:p>
-            <a:r>
+            <a:pPr marL="0" indent="0">
+              <a:buNone/>
+            </a:pPr>
+            <a:r>
+              <a:rPr dirty="0"/>
               <a:t>        </a:t>
             </a:r>
-          </a:p>
-          <a:p>
-            <a:r>
+            <a:r>
+              <a:rPr dirty="0" err="1"/>
+              <a:t>self.set_cell_type_parameters</a:t>
+            </a:r>
+            <a:r>
+              <a:rPr dirty="0"/>
+              <a:t>(</a:t>
+            </a:r>
+            <a:r>
+              <a:rPr dirty="0" err="1"/>
+              <a:t>self.cancer_type</a:t>
+            </a:r>
+            <a:r>
+              <a:rPr dirty="0"/>
+              <a:t>, "Volume", 25)</a:t>
+            </a:r>
+          </a:p>
+          <a:p>
+            <a:pPr marL="0" indent="0">
+              <a:buNone/>
+            </a:pPr>
+            <a:r>
+              <a:rPr dirty="0"/>
+              <a:t>        </a:t>
+            </a:r>
+            <a:r>
+              <a:rPr dirty="0" err="1"/>
+              <a:t>self.set_cell_type_parameters</a:t>
+            </a:r>
+            <a:r>
+              <a:rPr dirty="0"/>
+              <a:t>(</a:t>
+            </a:r>
+            <a:r>
+              <a:rPr dirty="0" err="1"/>
+              <a:t>self.cancer_type</a:t>
+            </a:r>
+            <a:r>
+              <a:rPr dirty="0"/>
+              <a:t>, "Surface", 20)</a:t>
+            </a:r>
+          </a:p>
+          <a:p>
+            <a:pPr marL="0" indent="0">
+              <a:buNone/>
+            </a:pPr>
+            <a:r>
+              <a:rPr dirty="0"/>
+              <a:t>        </a:t>
+            </a:r>
+            <a:r>
+              <a:rPr dirty="0" err="1"/>
+              <a:t>self.set_cell_type_parameters</a:t>
+            </a:r>
+            <a:r>
+              <a:rPr dirty="0"/>
+              <a:t>(</a:t>
+            </a:r>
+            <a:r>
+              <a:rPr dirty="0" err="1"/>
+              <a:t>self.invasive_type</a:t>
+            </a:r>
+            <a:r>
+              <a:rPr dirty="0"/>
+              <a:t>, "Volume", 20)</a:t>
+            </a:r>
+          </a:p>
+          <a:p>
+            <a:pPr marL="0" indent="0">
+              <a:buNone/>
+            </a:pPr>
+            <a:r>
+              <a:rPr dirty="0"/>
+              <a:t>        </a:t>
+            </a:r>
+            <a:r>
+              <a:rPr dirty="0" err="1"/>
+              <a:t>self.set_cell_type_parameters</a:t>
+            </a:r>
+            <a:r>
+              <a:rPr dirty="0"/>
+              <a:t>(</a:t>
+            </a:r>
+            <a:r>
+              <a:rPr dirty="0" err="1"/>
+              <a:t>self.invasive_type</a:t>
+            </a:r>
+            <a:r>
+              <a:rPr dirty="0"/>
+              <a:t>, "Surface", 25)</a:t>
+            </a:r>
+          </a:p>
+          <a:p>
+            <a:pPr marL="0" indent="0">
+              <a:buNone/>
+            </a:pPr>
+            <a:r>
+              <a:rPr dirty="0"/>
+              <a:t>        </a:t>
+            </a:r>
+          </a:p>
+          <a:p>
+            <a:pPr marL="0" indent="0">
+              <a:buNone/>
+            </a:pPr>
+            <a:r>
+              <a:rPr dirty="0"/>
               <a:t>        # Set apoptosis parameters</a:t>
             </a:r>
           </a:p>
           <a:p>
-            <a:r>
-              <a:t>        self.set_cell_type_parameters(self.cancer_type, "Apoptosis", 0.01)</a:t>
-            </a:r>
-          </a:p>
-          <a:p>
-            <a:r>
-              <a:t>        self.set_cell_type_parameters(self.invasive_type, "Apoptosis", 0.05)</a:t>
-            </a:r>
-          </a:p>
-          <a:p>
-            <a:r>
+            <a:pPr marL="0" indent="0">
+              <a:buNone/>
+            </a:pPr>
+            <a:r>
+              <a:rPr dirty="0"/>
               <a:t>        </a:t>
             </a:r>
-          </a:p>
-          <a:p>
-            <a:r>
+            <a:r>
+              <a:rPr dirty="0" err="1"/>
+              <a:t>self.set_cell_type_parameters</a:t>
+            </a:r>
+            <a:r>
+              <a:rPr dirty="0"/>
+              <a:t>(</a:t>
+            </a:r>
+            <a:r>
+              <a:rPr dirty="0" err="1"/>
+              <a:t>self.cancer_type</a:t>
+            </a:r>
+            <a:r>
+              <a:rPr dirty="0"/>
+              <a:t>, "Apoptosis", 0.01)</a:t>
+            </a:r>
+          </a:p>
+          <a:p>
+            <a:pPr marL="0" indent="0">
+              <a:buNone/>
+            </a:pPr>
+            <a:r>
+              <a:rPr dirty="0"/>
+              <a:t>        </a:t>
+            </a:r>
+            <a:r>
+              <a:rPr dirty="0" err="1"/>
+              <a:t>self.set_cell_type_parameters</a:t>
+            </a:r>
+            <a:r>
+              <a:rPr dirty="0"/>
+              <a:t>(</a:t>
+            </a:r>
+            <a:r>
+              <a:rPr dirty="0" err="1"/>
+              <a:t>self.invasive_type</a:t>
+            </a:r>
+            <a:r>
+              <a:rPr dirty="0"/>
+              <a:t>, "Apoptosis", 0.05)</a:t>
+            </a:r>
+          </a:p>
+          <a:p>
+            <a:pPr marL="0" indent="0">
+              <a:buNone/>
+            </a:pPr>
+            <a:r>
+              <a:rPr dirty="0"/>
+              <a:t>        </a:t>
+            </a:r>
+          </a:p>
+          <a:p>
+            <a:pPr marL="0" indent="0">
+              <a:buNone/>
+            </a:pPr>
+            <a:r>
+              <a:rPr dirty="0"/>
               <a:t>        # Set motility parameters</a:t>
             </a:r>
           </a:p>
           <a:p>
-            <a:r>
-              <a:t>        self.set_cell_type_parameters(self.cancer_type, "Motility", 10)</a:t>
-            </a:r>
-          </a:p>
-          <a:p>
-            <a:r>
-              <a:t>        self.set_cell_type_parameters(self.invasive_type, "Motility", 50)</a:t>
-            </a:r>
-          </a:p>
-          <a:p>
-            <a:r>
+            <a:pPr marL="0" indent="0">
+              <a:buNone/>
+            </a:pPr>
+            <a:r>
+              <a:rPr dirty="0"/>
               <a:t>        </a:t>
             </a:r>
-          </a:p>
-          <a:p>
-            <a:r>
+            <a:r>
+              <a:rPr dirty="0" err="1"/>
+              <a:t>self.set_cell_type_parameters</a:t>
+            </a:r>
+            <a:r>
+              <a:rPr dirty="0"/>
+              <a:t>(</a:t>
+            </a:r>
+            <a:r>
+              <a:rPr dirty="0" err="1"/>
+              <a:t>self.cancer_type</a:t>
+            </a:r>
+            <a:r>
+              <a:rPr dirty="0"/>
+              <a:t>, "Motility", 10)</a:t>
+            </a:r>
+          </a:p>
+          <a:p>
+            <a:pPr marL="0" indent="0">
+              <a:buNone/>
+            </a:pPr>
+            <a:r>
+              <a:rPr dirty="0"/>
+              <a:t>        </a:t>
+            </a:r>
+            <a:r>
+              <a:rPr dirty="0" err="1"/>
+              <a:t>self.set_cell_type_parameters</a:t>
+            </a:r>
+            <a:r>
+              <a:rPr dirty="0"/>
+              <a:t>(</a:t>
+            </a:r>
+            <a:r>
+              <a:rPr dirty="0" err="1"/>
+              <a:t>self.invasive_type</a:t>
+            </a:r>
+            <a:r>
+              <a:rPr dirty="0"/>
+              <a:t>, "Motility", 50)</a:t>
+            </a:r>
+          </a:p>
+          <a:p>
+            <a:pPr marL="0" indent="0">
+              <a:buNone/>
+            </a:pPr>
+            <a:r>
+              <a:rPr dirty="0"/>
+              <a:t>        </a:t>
+            </a:r>
+          </a:p>
+          <a:p>
+            <a:pPr marL="0" indent="0">
+              <a:buNone/>
+            </a:pPr>
+            <a:r>
+              <a:rPr dirty="0"/>
               <a:t>        # Initialize cell field</a:t>
             </a:r>
           </a:p>
           <a:p>
-            <a:r>
+            <a:pPr marL="0" indent="0">
+              <a:buNone/>
+            </a:pPr>
+            <a:r>
+              <a:rPr dirty="0"/>
               <a:t>        for i in range(10):</a:t>
             </a:r>
           </a:p>
           <a:p>
-            <a:r>
-              <a:t>            cell = self.new_cell(self.cancer_type)</a:t>
-            </a:r>
-          </a:p>
-          <a:p>
-            <a:r>
-              <a:t>            self.cell_field[10*i:10*i+5, 10:15, 0] = cell</a:t>
-            </a:r>
-          </a:p>
-          <a:p>
-            <a:r>
+            <a:pPr marL="0" indent="0">
+              <a:buNone/>
+            </a:pPr>
+            <a:r>
+              <a:rPr dirty="0"/>
+              <a:t>            cell = </a:t>
+            </a:r>
+            <a:r>
+              <a:rPr dirty="0" err="1"/>
+              <a:t>self.new_cell</a:t>
+            </a:r>
+            <a:r>
+              <a:rPr dirty="0"/>
+              <a:t>(</a:t>
+            </a:r>
+            <a:r>
+              <a:rPr dirty="0" err="1"/>
+              <a:t>self.cancer_type</a:t>
+            </a:r>
+            <a:r>
+              <a:rPr dirty="0"/>
+              <a:t>)</a:t>
+            </a:r>
+          </a:p>
+          <a:p>
+            <a:pPr marL="0" indent="0">
+              <a:buNone/>
+            </a:pPr>
+            <a:r>
+              <a:rPr dirty="0"/>
               <a:t>            </a:t>
             </a:r>
-          </a:p>
-          <a:p>
-            <a:r>
+            <a:r>
+              <a:rPr dirty="0" err="1"/>
+              <a:t>self.cell_field</a:t>
+            </a:r>
+            <a:r>
+              <a:rPr dirty="0"/>
+              <a:t>[10*i:10*i+5, 10:15, 0] = cell</a:t>
+            </a:r>
+          </a:p>
+          <a:p>
+            <a:pPr marL="0" indent="0">
+              <a:buNone/>
+            </a:pPr>
+            <a:r>
+              <a:rPr dirty="0"/>
+              <a:t>            </a:t>
+            </a:r>
+          </a:p>
+          <a:p>
+            <a:pPr marL="0" indent="0">
+              <a:buNone/>
+            </a:pPr>
+            <a:r>
+              <a:rPr dirty="0"/>
               <a:t>        for i in range(5):</a:t>
             </a:r>
           </a:p>
           <a:p>
-            <a:r>
-              <a:t>            cell = self.new_cell(self.invasive_type)</a:t>
-            </a:r>
-          </a:p>
-          <a:p>
-            <a:r>
-              <a:t>            self.cell_field[10*i:10*i+5, 80:85, 0] = cell</a:t>
-            </a:r>
-          </a:p>
-          <a:p>
-            <a:r>
+            <a:pPr marL="0" indent="0">
+              <a:buNone/>
+            </a:pPr>
+            <a:r>
+              <a:rPr dirty="0"/>
+              <a:t>            cell = </a:t>
+            </a:r>
+            <a:r>
+              <a:rPr dirty="0" err="1"/>
+              <a:t>self.new_cell</a:t>
+            </a:r>
+            <a:r>
+              <a:rPr dirty="0"/>
+              <a:t>(</a:t>
+            </a:r>
+            <a:r>
+              <a:rPr dirty="0" err="1"/>
+              <a:t>self.invasive_type</a:t>
+            </a:r>
+            <a:r>
+              <a:rPr dirty="0"/>
+              <a:t>)</a:t>
+            </a:r>
+          </a:p>
+          <a:p>
+            <a:pPr marL="0" indent="0">
+              <a:buNone/>
+            </a:pPr>
+            <a:r>
+              <a:rPr dirty="0"/>
               <a:t>            </a:t>
             </a:r>
-          </a:p>
-          <a:p>
-            <a:r>
-              <a:t>    def step(self, mcs):</a:t>
-            </a:r>
-          </a:p>
-          <a:p>
-            <a:r>
+            <a:r>
+              <a:rPr dirty="0" err="1"/>
+              <a:t>self.cell_field</a:t>
+            </a:r>
+            <a:r>
+              <a:rPr dirty="0"/>
+              <a:t>[10*i:10*i+5, 80:85, 0] = cell</a:t>
+            </a:r>
+          </a:p>
+          <a:p>
+            <a:pPr marL="0" indent="0">
+              <a:buNone/>
+            </a:pPr>
+            <a:r>
+              <a:rPr dirty="0"/>
+              <a:t>            </a:t>
+            </a:r>
+          </a:p>
+          <a:p>
+            <a:pPr marL="0" indent="0">
+              <a:buNone/>
+            </a:pPr>
+            <a:r>
+              <a:rPr dirty="0"/>
+              <a:t>    def step(self, </a:t>
+            </a:r>
+            <a:r>
+              <a:rPr dirty="0" err="1"/>
+              <a:t>mcs</a:t>
+            </a:r>
+            <a:r>
+              <a:rPr dirty="0"/>
+              <a:t>):</a:t>
+            </a:r>
+          </a:p>
+          <a:p>
+            <a:pPr marL="0" indent="0">
+              <a:buNone/>
+            </a:pPr>
+            <a:r>
+              <a:rPr dirty="0"/>
               <a:t>        # Update cell behaviors based on MCS</a:t>
             </a:r>
           </a:p>
           <a:p>
-            <a:r>
-              <a:t>        for cell in self.cell_list:</a:t>
-            </a:r>
-          </a:p>
-          <a:p>
-            <a:r>
-              <a:t>            if cell.type == self.cancer_type and mcs % 100 == 0:</a:t>
-            </a:r>
-          </a:p>
-          <a:p>
-            <a:r>
-              <a:t>                if random.random() &lt; 0.01:  # Random transformation to invasive</a:t>
-            </a:r>
-          </a:p>
-          <a:p>
-            <a:r>
-              <a:t>                    cell.type = self.invasive_type</a:t>
-            </a:r>
-          </a:p>
-          <a:p>
-            <a:r>
+            <a:pPr marL="0" indent="0">
+              <a:buNone/>
+            </a:pPr>
+            <a:r>
+              <a:rPr dirty="0"/>
+              <a:t>        for cell in </a:t>
+            </a:r>
+            <a:r>
+              <a:rPr dirty="0" err="1"/>
+              <a:t>self.cell_list</a:t>
+            </a:r>
+            <a:r>
+              <a:rPr dirty="0"/>
+              <a:t>:</a:t>
+            </a:r>
+          </a:p>
+          <a:p>
+            <a:pPr marL="0" indent="0">
+              <a:buNone/>
+            </a:pPr>
+            <a:r>
+              <a:rPr dirty="0"/>
+              <a:t>            if </a:t>
+            </a:r>
+            <a:r>
+              <a:rPr dirty="0" err="1"/>
+              <a:t>cell.type</a:t>
+            </a:r>
+            <a:r>
+              <a:rPr dirty="0"/>
+              <a:t> == </a:t>
+            </a:r>
+            <a:r>
+              <a:rPr dirty="0" err="1"/>
+              <a:t>self.cancer_type</a:t>
+            </a:r>
+            <a:r>
+              <a:rPr dirty="0"/>
+              <a:t> and </a:t>
+            </a:r>
+            <a:r>
+              <a:rPr dirty="0" err="1"/>
+              <a:t>mcs</a:t>
+            </a:r>
+            <a:r>
+              <a:rPr dirty="0"/>
+              <a:t> % 100 == 0:</a:t>
+            </a:r>
+          </a:p>
+          <a:p>
+            <a:pPr marL="0" indent="0">
+              <a:buNone/>
+            </a:pPr>
+            <a:r>
+              <a:rPr dirty="0"/>
+              <a:t>                if </a:t>
+            </a:r>
+            <a:r>
+              <a:rPr dirty="0" err="1"/>
+              <a:t>random.random</a:t>
+            </a:r>
+            <a:r>
+              <a:rPr dirty="0"/>
+              <a:t>() &lt; 0.01:  # Random transformation to invasive</a:t>
+            </a:r>
+          </a:p>
+          <a:p>
+            <a:pPr marL="0" indent="0">
+              <a:buNone/>
+            </a:pPr>
+            <a:r>
+              <a:rPr dirty="0"/>
+              <a:t>                    </a:t>
+            </a:r>
+            <a:r>
+              <a:rPr dirty="0" err="1"/>
+              <a:t>cell.type</a:t>
+            </a:r>
+            <a:r>
+              <a:rPr dirty="0"/>
+              <a:t> = </a:t>
+            </a:r>
+            <a:r>
+              <a:rPr dirty="0" err="1"/>
+              <a:t>self.invasive_type</a:t>
+            </a:r>
+            <a:endParaRPr dirty="0"/>
+          </a:p>
+          <a:p>
+            <a:pPr marL="0" indent="0">
+              <a:buNone/>
+            </a:pPr>
+            <a:r>
+              <a:rPr dirty="0"/>
               <a:t>            </a:t>
             </a:r>
           </a:p>
           <a:p>
-            <a:r>
-              <a:t>            if cell.type == self.invasive_type:</a:t>
-            </a:r>
-          </a:p>
-          <a:p>
-            <a:r>
+            <a:pPr marL="0" indent="0">
+              <a:buNone/>
+            </a:pPr>
+            <a:r>
+              <a:rPr dirty="0"/>
+              <a:t>            if </a:t>
+            </a:r>
+            <a:r>
+              <a:rPr dirty="0" err="1"/>
+              <a:t>cell.type</a:t>
+            </a:r>
+            <a:r>
+              <a:rPr dirty="0"/>
+              <a:t> == </a:t>
+            </a:r>
+            <a:r>
+              <a:rPr dirty="0" err="1"/>
+              <a:t>self.invasive_type</a:t>
+            </a:r>
+            <a:r>
+              <a:rPr dirty="0"/>
+              <a:t>:</a:t>
+            </a:r>
+          </a:p>
+          <a:p>
+            <a:pPr marL="0" indent="0">
+              <a:buNone/>
+            </a:pPr>
+            <a:r>
+              <a:rPr dirty="0"/>
               <a:t>                # Increase motility for invasive cells</a:t>
             </a:r>
           </a:p>
           <a:p>
-            <a:r>
-              <a:t>                cell.lambdaVecX = 50</a:t>
-            </a:r>
-          </a:p>
-          <a:p>
-            <a:r>
-              <a:t>                cell.lambdaVecY = 50</a:t>
-            </a:r>
-          </a:p>
-          <a:p>
-            <a:r>
+            <a:pPr marL="0" indent="0">
+              <a:buNone/>
+            </a:pPr>
+            <a:r>
+              <a:rPr dirty="0"/>
               <a:t>                </a:t>
             </a:r>
-          </a:p>
-          <a:p>
-            <a:r>
+            <a:r>
+              <a:rPr dirty="0" err="1"/>
+              <a:t>cell.lambdaVecX</a:t>
+            </a:r>
+            <a:r>
+              <a:rPr dirty="0"/>
+              <a:t> = 50</a:t>
+            </a:r>
+          </a:p>
+          <a:p>
+            <a:pPr marL="0" indent="0">
+              <a:buNone/>
+            </a:pPr>
+            <a:r>
+              <a:rPr dirty="0"/>
+              <a:t>                </a:t>
+            </a:r>
+            <a:r>
+              <a:rPr dirty="0" err="1"/>
+              <a:t>cell.lambdaVecY</a:t>
+            </a:r>
+            <a:r>
+              <a:rPr dirty="0"/>
+              <a:t> = 50</a:t>
+            </a:r>
+          </a:p>
+          <a:p>
+            <a:pPr marL="0" indent="0">
+              <a:buNone/>
+            </a:pPr>
+            <a:r>
+              <a:rPr dirty="0"/>
+              <a:t>                </a:t>
+            </a:r>
+          </a:p>
+          <a:p>
+            <a:pPr marL="0" indent="0">
+              <a:buNone/>
+            </a:pPr>
+            <a:r>
+              <a:rPr dirty="0"/>
               <a:t>                # Random apoptosis</a:t>
             </a:r>
           </a:p>
           <a:p>
-            <a:r>
-              <a:t>                if random.random() &lt; 0.01:</a:t>
-            </a:r>
-          </a:p>
-          <a:p>
-            <a:r>
-              <a:t>                    cell.targetVolume = 0</a:t>
-            </a:r>
-          </a:p>
-          <a:p/>
-          <a:p>
-            <a:r>
-              <a:t>CompuCellSetup.register_steppable(steppable=CancerInvasionSteppable(frequency=1))</a:t>
-            </a:r>
-          </a:p>
-          <a:p>
-            <a:r>
+            <a:pPr marL="0" indent="0">
+              <a:buNone/>
+            </a:pPr>
+            <a:r>
+              <a:rPr dirty="0"/>
+              <a:t>                if </a:t>
+            </a:r>
+            <a:r>
+              <a:rPr dirty="0" err="1"/>
+              <a:t>random.random</a:t>
+            </a:r>
+            <a:r>
+              <a:rPr dirty="0"/>
+              <a:t>() &lt; 0.01:</a:t>
+            </a:r>
+          </a:p>
+          <a:p>
+            <a:pPr marL="0" indent="0">
+              <a:buNone/>
+            </a:pPr>
+            <a:r>
+              <a:rPr dirty="0"/>
+              <a:t>                    </a:t>
+            </a:r>
+            <a:r>
+              <a:rPr dirty="0" err="1"/>
+              <a:t>cell.targetVolume</a:t>
+            </a:r>
+            <a:r>
+              <a:rPr dirty="0"/>
+              <a:t> = 0</a:t>
+            </a:r>
+          </a:p>
+          <a:p>
+            <a:pPr marL="0" indent="0">
+              <a:buNone/>
+            </a:pPr>
+            <a:endParaRPr dirty="0"/>
+          </a:p>
+          <a:p>
+            <a:pPr marL="0" indent="0">
+              <a:buNone/>
+            </a:pPr>
+            <a:r>
+              <a:rPr dirty="0" err="1"/>
+              <a:t>CompuCellSetup.register_steppable</a:t>
+            </a:r>
+            <a:r>
+              <a:rPr dirty="0"/>
+              <a:t>(</a:t>
+            </a:r>
+            <a:r>
+              <a:rPr dirty="0" err="1"/>
+              <a:t>steppable</a:t>
+            </a:r>
+            <a:r>
+              <a:rPr dirty="0"/>
+              <a:t>=</a:t>
+            </a:r>
+            <a:r>
+              <a:rPr dirty="0" err="1"/>
+              <a:t>CancerInvasionSteppable</a:t>
+            </a:r>
+            <a:r>
+              <a:rPr dirty="0"/>
+              <a:t>(frequency=1))</a:t>
+            </a:r>
+          </a:p>
+          <a:p>
+            <a:pPr marL="0" indent="0">
+              <a:buNone/>
+            </a:pPr>
+            <a:r>
+              <a:rPr dirty="0"/>
               <a:t>```</a:t>
             </a:r>
           </a:p>
